--- a/04 - Cr MagOpt/Picture/MagOptLowSym.pptx
+++ b/04 - Cr MagOpt/Picture/MagOptLowSym.pptx
@@ -7,7 +7,7 @@
   <p:sldIdLst>
     <p:sldId id="256" r:id="rId3"/>
   </p:sldIdLst>
-  <p:sldSz cx="4321175" cy="5829300"/>
+  <p:sldSz cx="4324350" cy="5943600"/>
   <p:notesSz cx="7559675" cy="10691812"/>
 </p:presentation>
 </file>
@@ -53,7 +53,7 @@
       </p:grpSpPr>
       <p:sp>
         <p:nvSpPr>
-          <p:cNvPr id="26" name="PlaceHolder 1"/>
+          <p:cNvPr id="23" name="PlaceHolder 1"/>
           <p:cNvSpPr>
             <a:spLocks noGrp="1"/>
           </p:cNvSpPr>
@@ -63,8 +63,8 @@
         </p:nvSpPr>
         <p:spPr>
           <a:xfrm>
-            <a:off x="324000" y="1810800"/>
-            <a:ext cx="3672720" cy="1249560"/>
+            <a:off x="324000" y="1843920"/>
+            <a:ext cx="3675600" cy="1277640"/>
           </a:xfrm>
           <a:prstGeom prst="rect">
             <a:avLst/>
@@ -73,13 +73,14 @@
         <p:txBody>
           <a:bodyPr lIns="0" rIns="0" tIns="0" bIns="0" anchor="ctr"/>
           <a:p>
-            <a:endParaRPr/>
-          </a:p>
-        </p:txBody>
-      </p:sp>
-      <p:sp>
-        <p:nvSpPr>
-          <p:cNvPr id="27" name="PlaceHolder 2"/>
+            <a:pPr algn="ctr"/>
+            <a:endParaRPr/>
+          </a:p>
+        </p:txBody>
+      </p:sp>
+      <p:sp>
+        <p:nvSpPr>
+          <p:cNvPr id="24" name="PlaceHolder 2"/>
           <p:cNvSpPr>
             <a:spLocks noGrp="1"/>
           </p:cNvSpPr>
@@ -89,8 +90,8 @@
         </p:nvSpPr>
         <p:spPr>
           <a:xfrm>
-            <a:off x="216000" y="1364040"/>
-            <a:ext cx="3888360" cy="1612440"/>
+            <a:off x="216000" y="1390320"/>
+            <a:ext cx="3891960" cy="1643760"/>
           </a:xfrm>
           <a:prstGeom prst="rect">
             <a:avLst/>
@@ -105,7 +106,7 @@
       </p:sp>
       <p:sp>
         <p:nvSpPr>
-          <p:cNvPr id="28" name="PlaceHolder 3"/>
+          <p:cNvPr id="25" name="PlaceHolder 3"/>
           <p:cNvSpPr>
             <a:spLocks noGrp="1"/>
           </p:cNvSpPr>
@@ -115,8 +116,8 @@
         </p:nvSpPr>
         <p:spPr>
           <a:xfrm>
-            <a:off x="216000" y="3130200"/>
-            <a:ext cx="3888360" cy="1612440"/>
+            <a:off x="216000" y="3190680"/>
+            <a:ext cx="3891960" cy="1643760"/>
           </a:xfrm>
           <a:prstGeom prst="rect">
             <a:avLst/>
@@ -153,7 +154,7 @@
       </p:grpSpPr>
       <p:sp>
         <p:nvSpPr>
-          <p:cNvPr id="29" name="PlaceHolder 1"/>
+          <p:cNvPr id="26" name="PlaceHolder 1"/>
           <p:cNvSpPr>
             <a:spLocks noGrp="1"/>
           </p:cNvSpPr>
@@ -163,8 +164,8 @@
         </p:nvSpPr>
         <p:spPr>
           <a:xfrm>
-            <a:off x="324000" y="1810800"/>
-            <a:ext cx="3672720" cy="1249560"/>
+            <a:off x="324000" y="1843920"/>
+            <a:ext cx="3675600" cy="1277640"/>
           </a:xfrm>
           <a:prstGeom prst="rect">
             <a:avLst/>
@@ -173,13 +174,14 @@
         <p:txBody>
           <a:bodyPr lIns="0" rIns="0" tIns="0" bIns="0" anchor="ctr"/>
           <a:p>
-            <a:endParaRPr/>
-          </a:p>
-        </p:txBody>
-      </p:sp>
-      <p:sp>
-        <p:nvSpPr>
-          <p:cNvPr id="30" name="PlaceHolder 2"/>
+            <a:pPr algn="ctr"/>
+            <a:endParaRPr/>
+          </a:p>
+        </p:txBody>
+      </p:sp>
+      <p:sp>
+        <p:nvSpPr>
+          <p:cNvPr id="27" name="PlaceHolder 2"/>
           <p:cNvSpPr>
             <a:spLocks noGrp="1"/>
           </p:cNvSpPr>
@@ -189,8 +191,8 @@
         </p:nvSpPr>
         <p:spPr>
           <a:xfrm>
-            <a:off x="216000" y="1364040"/>
-            <a:ext cx="1897200" cy="1612440"/>
+            <a:off x="216000" y="1390320"/>
+            <a:ext cx="1899000" cy="1643760"/>
           </a:xfrm>
           <a:prstGeom prst="rect">
             <a:avLst/>
@@ -205,7 +207,7 @@
       </p:sp>
       <p:sp>
         <p:nvSpPr>
-          <p:cNvPr id="31" name="PlaceHolder 3"/>
+          <p:cNvPr id="28" name="PlaceHolder 3"/>
           <p:cNvSpPr>
             <a:spLocks noGrp="1"/>
           </p:cNvSpPr>
@@ -215,8 +217,8 @@
         </p:nvSpPr>
         <p:spPr>
           <a:xfrm>
-            <a:off x="2208600" y="1364040"/>
-            <a:ext cx="1897200" cy="1612440"/>
+            <a:off x="2210400" y="1390320"/>
+            <a:ext cx="1899000" cy="1643760"/>
           </a:xfrm>
           <a:prstGeom prst="rect">
             <a:avLst/>
@@ -231,7 +233,7 @@
       </p:sp>
       <p:sp>
         <p:nvSpPr>
-          <p:cNvPr id="32" name="PlaceHolder 4"/>
+          <p:cNvPr id="29" name="PlaceHolder 4"/>
           <p:cNvSpPr>
             <a:spLocks noGrp="1"/>
           </p:cNvSpPr>
@@ -241,8 +243,8 @@
         </p:nvSpPr>
         <p:spPr>
           <a:xfrm>
-            <a:off x="2208600" y="3130200"/>
-            <a:ext cx="1897200" cy="1612440"/>
+            <a:off x="2210400" y="3190680"/>
+            <a:ext cx="1899000" cy="1643760"/>
           </a:xfrm>
           <a:prstGeom prst="rect">
             <a:avLst/>
@@ -257,7 +259,7 @@
       </p:sp>
       <p:sp>
         <p:nvSpPr>
-          <p:cNvPr id="33" name="PlaceHolder 5"/>
+          <p:cNvPr id="30" name="PlaceHolder 5"/>
           <p:cNvSpPr>
             <a:spLocks noGrp="1"/>
           </p:cNvSpPr>
@@ -267,8 +269,8 @@
         </p:nvSpPr>
         <p:spPr>
           <a:xfrm>
-            <a:off x="216000" y="3130200"/>
-            <a:ext cx="1897200" cy="1612440"/>
+            <a:off x="216000" y="3190680"/>
+            <a:ext cx="1899000" cy="1643760"/>
           </a:xfrm>
           <a:prstGeom prst="rect">
             <a:avLst/>
@@ -305,7 +307,7 @@
       </p:grpSpPr>
       <p:sp>
         <p:nvSpPr>
-          <p:cNvPr id="34" name="PlaceHolder 1"/>
+          <p:cNvPr id="31" name="PlaceHolder 1"/>
           <p:cNvSpPr>
             <a:spLocks noGrp="1"/>
           </p:cNvSpPr>
@@ -315,8 +317,8 @@
         </p:nvSpPr>
         <p:spPr>
           <a:xfrm>
-            <a:off x="324000" y="1810800"/>
-            <a:ext cx="3672720" cy="1249560"/>
+            <a:off x="324000" y="1843920"/>
+            <a:ext cx="3675600" cy="1277640"/>
           </a:xfrm>
           <a:prstGeom prst="rect">
             <a:avLst/>
@@ -325,13 +327,14 @@
         <p:txBody>
           <a:bodyPr lIns="0" rIns="0" tIns="0" bIns="0" anchor="ctr"/>
           <a:p>
-            <a:endParaRPr/>
-          </a:p>
-        </p:txBody>
-      </p:sp>
-      <p:sp>
-        <p:nvSpPr>
-          <p:cNvPr id="35" name="PlaceHolder 2"/>
+            <a:pPr algn="ctr"/>
+            <a:endParaRPr/>
+          </a:p>
+        </p:txBody>
+      </p:sp>
+      <p:sp>
+        <p:nvSpPr>
+          <p:cNvPr id="32" name="PlaceHolder 2"/>
           <p:cNvSpPr>
             <a:spLocks noGrp="1"/>
           </p:cNvSpPr>
@@ -341,8 +344,8 @@
         </p:nvSpPr>
         <p:spPr>
           <a:xfrm>
-            <a:off x="216000" y="1364040"/>
-            <a:ext cx="3888360" cy="3380400"/>
+            <a:off x="216000" y="1390320"/>
+            <a:ext cx="3891960" cy="3446640"/>
           </a:xfrm>
           <a:prstGeom prst="rect">
             <a:avLst/>
@@ -357,7 +360,7 @@
       </p:sp>
       <p:sp>
         <p:nvSpPr>
-          <p:cNvPr id="36" name="PlaceHolder 3"/>
+          <p:cNvPr id="33" name="PlaceHolder 3"/>
           <p:cNvSpPr>
             <a:spLocks noGrp="1"/>
           </p:cNvSpPr>
@@ -367,8 +370,8 @@
         </p:nvSpPr>
         <p:spPr>
           <a:xfrm>
-            <a:off x="216000" y="1364040"/>
-            <a:ext cx="3888360" cy="3380400"/>
+            <a:off x="216000" y="1390320"/>
+            <a:ext cx="3891960" cy="3446640"/>
           </a:xfrm>
           <a:prstGeom prst="rect">
             <a:avLst/>
@@ -383,7 +386,7 @@
       </p:sp>
       <p:pic>
         <p:nvPicPr>
-          <p:cNvPr id="37" name="" descr=""/>
+          <p:cNvPr id="34" name="" descr=""/>
           <p:cNvPicPr/>
           <p:nvPr/>
         </p:nvPicPr>
@@ -395,8 +398,8 @@
         </p:blipFill>
         <p:spPr>
           <a:xfrm>
-            <a:off x="215640" y="1503000"/>
-            <a:ext cx="3888360" cy="3102120"/>
+            <a:off x="215640" y="1560960"/>
+            <a:ext cx="3891960" cy="3105000"/>
           </a:xfrm>
           <a:prstGeom prst="rect">
             <a:avLst/>
@@ -408,7 +411,7 @@
       </p:pic>
       <p:pic>
         <p:nvPicPr>
-          <p:cNvPr id="38" name="" descr=""/>
+          <p:cNvPr id="35" name="" descr=""/>
           <p:cNvPicPr/>
           <p:nvPr/>
         </p:nvPicPr>
@@ -420,8 +423,8 @@
         </p:blipFill>
         <p:spPr>
           <a:xfrm>
-            <a:off x="215640" y="1503000"/>
-            <a:ext cx="3888360" cy="3102120"/>
+            <a:off x="215640" y="1560960"/>
+            <a:ext cx="3891960" cy="3105000"/>
           </a:xfrm>
           <a:prstGeom prst="rect">
             <a:avLst/>
@@ -455,7 +458,7 @@
       </p:grpSpPr>
       <p:sp>
         <p:nvSpPr>
-          <p:cNvPr id="5" name="PlaceHolder 1"/>
+          <p:cNvPr id="2" name="PlaceHolder 1"/>
           <p:cNvSpPr>
             <a:spLocks noGrp="1"/>
           </p:cNvSpPr>
@@ -465,8 +468,8 @@
         </p:nvSpPr>
         <p:spPr>
           <a:xfrm>
-            <a:off x="324000" y="1810800"/>
-            <a:ext cx="3672720" cy="1249560"/>
+            <a:off x="324000" y="1843920"/>
+            <a:ext cx="3675600" cy="1277640"/>
           </a:xfrm>
           <a:prstGeom prst="rect">
             <a:avLst/>
@@ -475,13 +478,14 @@
         <p:txBody>
           <a:bodyPr lIns="0" rIns="0" tIns="0" bIns="0" anchor="ctr"/>
           <a:p>
-            <a:endParaRPr/>
-          </a:p>
-        </p:txBody>
-      </p:sp>
-      <p:sp>
-        <p:nvSpPr>
-          <p:cNvPr id="6" name="PlaceHolder 2"/>
+            <a:pPr algn="ctr"/>
+            <a:endParaRPr/>
+          </a:p>
+        </p:txBody>
+      </p:sp>
+      <p:sp>
+        <p:nvSpPr>
+          <p:cNvPr id="3" name="PlaceHolder 2"/>
           <p:cNvSpPr>
             <a:spLocks noGrp="1"/>
           </p:cNvSpPr>
@@ -491,8 +495,8 @@
         </p:nvSpPr>
         <p:spPr>
           <a:xfrm>
-            <a:off x="216000" y="1364040"/>
-            <a:ext cx="3888360" cy="3380760"/>
+            <a:off x="216000" y="1390320"/>
+            <a:ext cx="3891960" cy="3447000"/>
           </a:xfrm>
           <a:prstGeom prst="rect">
             <a:avLst/>
@@ -530,7 +534,7 @@
       </p:grpSpPr>
       <p:sp>
         <p:nvSpPr>
-          <p:cNvPr id="7" name="PlaceHolder 1"/>
+          <p:cNvPr id="4" name="PlaceHolder 1"/>
           <p:cNvSpPr>
             <a:spLocks noGrp="1"/>
           </p:cNvSpPr>
@@ -540,8 +544,8 @@
         </p:nvSpPr>
         <p:spPr>
           <a:xfrm>
-            <a:off x="324000" y="1810800"/>
-            <a:ext cx="3672720" cy="1249560"/>
+            <a:off x="324000" y="1843920"/>
+            <a:ext cx="3675600" cy="1277640"/>
           </a:xfrm>
           <a:prstGeom prst="rect">
             <a:avLst/>
@@ -550,13 +554,14 @@
         <p:txBody>
           <a:bodyPr lIns="0" rIns="0" tIns="0" bIns="0" anchor="ctr"/>
           <a:p>
-            <a:endParaRPr/>
-          </a:p>
-        </p:txBody>
-      </p:sp>
-      <p:sp>
-        <p:nvSpPr>
-          <p:cNvPr id="8" name="PlaceHolder 2"/>
+            <a:pPr algn="ctr"/>
+            <a:endParaRPr/>
+          </a:p>
+        </p:txBody>
+      </p:sp>
+      <p:sp>
+        <p:nvSpPr>
+          <p:cNvPr id="5" name="PlaceHolder 2"/>
           <p:cNvSpPr>
             <a:spLocks noGrp="1"/>
           </p:cNvSpPr>
@@ -566,8 +571,8 @@
         </p:nvSpPr>
         <p:spPr>
           <a:xfrm>
-            <a:off x="216000" y="1364040"/>
-            <a:ext cx="3888360" cy="3380400"/>
+            <a:off x="216000" y="1390320"/>
+            <a:ext cx="3891960" cy="3446640"/>
           </a:xfrm>
           <a:prstGeom prst="rect">
             <a:avLst/>
@@ -604,7 +609,7 @@
       </p:grpSpPr>
       <p:sp>
         <p:nvSpPr>
-          <p:cNvPr id="9" name="PlaceHolder 1"/>
+          <p:cNvPr id="6" name="PlaceHolder 1"/>
           <p:cNvSpPr>
             <a:spLocks noGrp="1"/>
           </p:cNvSpPr>
@@ -614,8 +619,8 @@
         </p:nvSpPr>
         <p:spPr>
           <a:xfrm>
-            <a:off x="324000" y="1810800"/>
-            <a:ext cx="3672720" cy="1249560"/>
+            <a:off x="324000" y="1843920"/>
+            <a:ext cx="3675600" cy="1277640"/>
           </a:xfrm>
           <a:prstGeom prst="rect">
             <a:avLst/>
@@ -624,13 +629,14 @@
         <p:txBody>
           <a:bodyPr lIns="0" rIns="0" tIns="0" bIns="0" anchor="ctr"/>
           <a:p>
-            <a:endParaRPr/>
-          </a:p>
-        </p:txBody>
-      </p:sp>
-      <p:sp>
-        <p:nvSpPr>
-          <p:cNvPr id="10" name="PlaceHolder 2"/>
+            <a:pPr algn="ctr"/>
+            <a:endParaRPr/>
+          </a:p>
+        </p:txBody>
+      </p:sp>
+      <p:sp>
+        <p:nvSpPr>
+          <p:cNvPr id="7" name="PlaceHolder 2"/>
           <p:cNvSpPr>
             <a:spLocks noGrp="1"/>
           </p:cNvSpPr>
@@ -640,8 +646,8 @@
         </p:nvSpPr>
         <p:spPr>
           <a:xfrm>
-            <a:off x="216000" y="1364040"/>
-            <a:ext cx="1897200" cy="3380400"/>
+            <a:off x="216000" y="1390320"/>
+            <a:ext cx="1899000" cy="3446640"/>
           </a:xfrm>
           <a:prstGeom prst="rect">
             <a:avLst/>
@@ -656,7 +662,7 @@
       </p:sp>
       <p:sp>
         <p:nvSpPr>
-          <p:cNvPr id="11" name="PlaceHolder 3"/>
+          <p:cNvPr id="8" name="PlaceHolder 3"/>
           <p:cNvSpPr>
             <a:spLocks noGrp="1"/>
           </p:cNvSpPr>
@@ -666,8 +672,8 @@
         </p:nvSpPr>
         <p:spPr>
           <a:xfrm>
-            <a:off x="2208600" y="1364040"/>
-            <a:ext cx="1897200" cy="3380400"/>
+            <a:off x="2210400" y="1390320"/>
+            <a:ext cx="1899000" cy="3446640"/>
           </a:xfrm>
           <a:prstGeom prst="rect">
             <a:avLst/>
@@ -704,7 +710,7 @@
       </p:grpSpPr>
       <p:sp>
         <p:nvSpPr>
-          <p:cNvPr id="12" name="PlaceHolder 1"/>
+          <p:cNvPr id="9" name="PlaceHolder 1"/>
           <p:cNvSpPr>
             <a:spLocks noGrp="1"/>
           </p:cNvSpPr>
@@ -714,8 +720,8 @@
         </p:nvSpPr>
         <p:spPr>
           <a:xfrm>
-            <a:off x="324000" y="1810800"/>
-            <a:ext cx="3672720" cy="1249560"/>
+            <a:off x="324000" y="1843920"/>
+            <a:ext cx="3675600" cy="1277640"/>
           </a:xfrm>
           <a:prstGeom prst="rect">
             <a:avLst/>
@@ -724,6 +730,7 @@
         <p:txBody>
           <a:bodyPr lIns="0" rIns="0" tIns="0" bIns="0" anchor="ctr"/>
           <a:p>
+            <a:pPr algn="ctr"/>
             <a:endParaRPr/>
           </a:p>
         </p:txBody>
@@ -752,7 +759,7 @@
       </p:grpSpPr>
       <p:sp>
         <p:nvSpPr>
-          <p:cNvPr id="13" name="PlaceHolder 1"/>
+          <p:cNvPr id="10" name="PlaceHolder 1"/>
           <p:cNvSpPr>
             <a:spLocks noGrp="1"/>
           </p:cNvSpPr>
@@ -762,8 +769,8 @@
         </p:nvSpPr>
         <p:spPr>
           <a:xfrm>
-            <a:off x="324000" y="1810800"/>
-            <a:ext cx="3672720" cy="5792040"/>
+            <a:off x="324000" y="1845720"/>
+            <a:ext cx="3675600" cy="5905800"/>
           </a:xfrm>
           <a:prstGeom prst="rect">
             <a:avLst/>
@@ -801,7 +808,7 @@
       </p:grpSpPr>
       <p:sp>
         <p:nvSpPr>
-          <p:cNvPr id="14" name="PlaceHolder 1"/>
+          <p:cNvPr id="11" name="PlaceHolder 1"/>
           <p:cNvSpPr>
             <a:spLocks noGrp="1"/>
           </p:cNvSpPr>
@@ -811,8 +818,8 @@
         </p:nvSpPr>
         <p:spPr>
           <a:xfrm>
-            <a:off x="324000" y="1810800"/>
-            <a:ext cx="3672720" cy="1249560"/>
+            <a:off x="324000" y="1843920"/>
+            <a:ext cx="3675600" cy="1277640"/>
           </a:xfrm>
           <a:prstGeom prst="rect">
             <a:avLst/>
@@ -821,13 +828,14 @@
         <p:txBody>
           <a:bodyPr lIns="0" rIns="0" tIns="0" bIns="0" anchor="ctr"/>
           <a:p>
-            <a:endParaRPr/>
-          </a:p>
-        </p:txBody>
-      </p:sp>
-      <p:sp>
-        <p:nvSpPr>
-          <p:cNvPr id="15" name="PlaceHolder 2"/>
+            <a:pPr algn="ctr"/>
+            <a:endParaRPr/>
+          </a:p>
+        </p:txBody>
+      </p:sp>
+      <p:sp>
+        <p:nvSpPr>
+          <p:cNvPr id="12" name="PlaceHolder 2"/>
           <p:cNvSpPr>
             <a:spLocks noGrp="1"/>
           </p:cNvSpPr>
@@ -837,8 +845,8 @@
         </p:nvSpPr>
         <p:spPr>
           <a:xfrm>
-            <a:off x="216000" y="1364040"/>
-            <a:ext cx="1897200" cy="1612440"/>
+            <a:off x="216000" y="1390320"/>
+            <a:ext cx="1899000" cy="1643760"/>
           </a:xfrm>
           <a:prstGeom prst="rect">
             <a:avLst/>
@@ -853,7 +861,7 @@
       </p:sp>
       <p:sp>
         <p:nvSpPr>
-          <p:cNvPr id="16" name="PlaceHolder 3"/>
+          <p:cNvPr id="13" name="PlaceHolder 3"/>
           <p:cNvSpPr>
             <a:spLocks noGrp="1"/>
           </p:cNvSpPr>
@@ -863,8 +871,8 @@
         </p:nvSpPr>
         <p:spPr>
           <a:xfrm>
-            <a:off x="216000" y="3130200"/>
-            <a:ext cx="1897200" cy="1612440"/>
+            <a:off x="216000" y="3190680"/>
+            <a:ext cx="1899000" cy="1643760"/>
           </a:xfrm>
           <a:prstGeom prst="rect">
             <a:avLst/>
@@ -879,7 +887,7 @@
       </p:sp>
       <p:sp>
         <p:nvSpPr>
-          <p:cNvPr id="17" name="PlaceHolder 4"/>
+          <p:cNvPr id="14" name="PlaceHolder 4"/>
           <p:cNvSpPr>
             <a:spLocks noGrp="1"/>
           </p:cNvSpPr>
@@ -889,8 +897,8 @@
         </p:nvSpPr>
         <p:spPr>
           <a:xfrm>
-            <a:off x="2208600" y="1364040"/>
-            <a:ext cx="1897200" cy="3380400"/>
+            <a:off x="2210400" y="1390320"/>
+            <a:ext cx="1899000" cy="3446640"/>
           </a:xfrm>
           <a:prstGeom prst="rect">
             <a:avLst/>
@@ -927,7 +935,7 @@
       </p:grpSpPr>
       <p:sp>
         <p:nvSpPr>
-          <p:cNvPr id="18" name="PlaceHolder 1"/>
+          <p:cNvPr id="15" name="PlaceHolder 1"/>
           <p:cNvSpPr>
             <a:spLocks noGrp="1"/>
           </p:cNvSpPr>
@@ -937,8 +945,8 @@
         </p:nvSpPr>
         <p:spPr>
           <a:xfrm>
-            <a:off x="324000" y="1810800"/>
-            <a:ext cx="3672720" cy="1249560"/>
+            <a:off x="324000" y="1843920"/>
+            <a:ext cx="3675600" cy="1277640"/>
           </a:xfrm>
           <a:prstGeom prst="rect">
             <a:avLst/>
@@ -947,13 +955,14 @@
         <p:txBody>
           <a:bodyPr lIns="0" rIns="0" tIns="0" bIns="0" anchor="ctr"/>
           <a:p>
-            <a:endParaRPr/>
-          </a:p>
-        </p:txBody>
-      </p:sp>
-      <p:sp>
-        <p:nvSpPr>
-          <p:cNvPr id="19" name="PlaceHolder 2"/>
+            <a:pPr algn="ctr"/>
+            <a:endParaRPr/>
+          </a:p>
+        </p:txBody>
+      </p:sp>
+      <p:sp>
+        <p:nvSpPr>
+          <p:cNvPr id="16" name="PlaceHolder 2"/>
           <p:cNvSpPr>
             <a:spLocks noGrp="1"/>
           </p:cNvSpPr>
@@ -963,8 +972,8 @@
         </p:nvSpPr>
         <p:spPr>
           <a:xfrm>
-            <a:off x="216000" y="1364040"/>
-            <a:ext cx="1897200" cy="3380400"/>
+            <a:off x="216000" y="1390320"/>
+            <a:ext cx="1899000" cy="3446640"/>
           </a:xfrm>
           <a:prstGeom prst="rect">
             <a:avLst/>
@@ -979,7 +988,7 @@
       </p:sp>
       <p:sp>
         <p:nvSpPr>
-          <p:cNvPr id="20" name="PlaceHolder 3"/>
+          <p:cNvPr id="17" name="PlaceHolder 3"/>
           <p:cNvSpPr>
             <a:spLocks noGrp="1"/>
           </p:cNvSpPr>
@@ -989,8 +998,8 @@
         </p:nvSpPr>
         <p:spPr>
           <a:xfrm>
-            <a:off x="2208600" y="1364040"/>
-            <a:ext cx="1897200" cy="1612440"/>
+            <a:off x="2210400" y="1390320"/>
+            <a:ext cx="1899000" cy="1643760"/>
           </a:xfrm>
           <a:prstGeom prst="rect">
             <a:avLst/>
@@ -1005,7 +1014,7 @@
       </p:sp>
       <p:sp>
         <p:nvSpPr>
-          <p:cNvPr id="21" name="PlaceHolder 4"/>
+          <p:cNvPr id="18" name="PlaceHolder 4"/>
           <p:cNvSpPr>
             <a:spLocks noGrp="1"/>
           </p:cNvSpPr>
@@ -1015,8 +1024,8 @@
         </p:nvSpPr>
         <p:spPr>
           <a:xfrm>
-            <a:off x="2208600" y="3130200"/>
-            <a:ext cx="1897200" cy="1612440"/>
+            <a:off x="2210400" y="3190680"/>
+            <a:ext cx="1899000" cy="1643760"/>
           </a:xfrm>
           <a:prstGeom prst="rect">
             <a:avLst/>
@@ -1053,7 +1062,7 @@
       </p:grpSpPr>
       <p:sp>
         <p:nvSpPr>
-          <p:cNvPr id="22" name="PlaceHolder 1"/>
+          <p:cNvPr id="19" name="PlaceHolder 1"/>
           <p:cNvSpPr>
             <a:spLocks noGrp="1"/>
           </p:cNvSpPr>
@@ -1063,8 +1072,8 @@
         </p:nvSpPr>
         <p:spPr>
           <a:xfrm>
-            <a:off x="324000" y="1810800"/>
-            <a:ext cx="3672720" cy="1249560"/>
+            <a:off x="324000" y="1843920"/>
+            <a:ext cx="3675600" cy="1277640"/>
           </a:xfrm>
           <a:prstGeom prst="rect">
             <a:avLst/>
@@ -1073,13 +1082,14 @@
         <p:txBody>
           <a:bodyPr lIns="0" rIns="0" tIns="0" bIns="0" anchor="ctr"/>
           <a:p>
-            <a:endParaRPr/>
-          </a:p>
-        </p:txBody>
-      </p:sp>
-      <p:sp>
-        <p:nvSpPr>
-          <p:cNvPr id="23" name="PlaceHolder 2"/>
+            <a:pPr algn="ctr"/>
+            <a:endParaRPr/>
+          </a:p>
+        </p:txBody>
+      </p:sp>
+      <p:sp>
+        <p:nvSpPr>
+          <p:cNvPr id="20" name="PlaceHolder 2"/>
           <p:cNvSpPr>
             <a:spLocks noGrp="1"/>
           </p:cNvSpPr>
@@ -1089,8 +1099,8 @@
         </p:nvSpPr>
         <p:spPr>
           <a:xfrm>
-            <a:off x="216000" y="1364040"/>
-            <a:ext cx="1897200" cy="1612440"/>
+            <a:off x="216000" y="1390320"/>
+            <a:ext cx="1899000" cy="1643760"/>
           </a:xfrm>
           <a:prstGeom prst="rect">
             <a:avLst/>
@@ -1105,7 +1115,7 @@
       </p:sp>
       <p:sp>
         <p:nvSpPr>
-          <p:cNvPr id="24" name="PlaceHolder 3"/>
+          <p:cNvPr id="21" name="PlaceHolder 3"/>
           <p:cNvSpPr>
             <a:spLocks noGrp="1"/>
           </p:cNvSpPr>
@@ -1115,8 +1125,8 @@
         </p:nvSpPr>
         <p:spPr>
           <a:xfrm>
-            <a:off x="2208600" y="1364040"/>
-            <a:ext cx="1897200" cy="1612440"/>
+            <a:off x="2210400" y="1390320"/>
+            <a:ext cx="1899000" cy="1643760"/>
           </a:xfrm>
           <a:prstGeom prst="rect">
             <a:avLst/>
@@ -1131,7 +1141,7 @@
       </p:sp>
       <p:sp>
         <p:nvSpPr>
-          <p:cNvPr id="25" name="PlaceHolder 4"/>
+          <p:cNvPr id="22" name="PlaceHolder 4"/>
           <p:cNvSpPr>
             <a:spLocks noGrp="1"/>
           </p:cNvSpPr>
@@ -1141,8 +1151,8 @@
         </p:nvSpPr>
         <p:spPr>
           <a:xfrm>
-            <a:off x="216000" y="3130200"/>
-            <a:ext cx="3888360" cy="1612440"/>
+            <a:off x="216000" y="3190680"/>
+            <a:ext cx="3891960" cy="1643760"/>
           </a:xfrm>
           <a:prstGeom prst="rect">
             <a:avLst/>
@@ -1196,29 +1206,21 @@
         </p:nvSpPr>
         <p:spPr>
           <a:xfrm>
-            <a:off x="324000" y="1810800"/>
-            <a:ext cx="3672720" cy="1249200"/>
-          </a:xfrm>
-          <a:prstGeom prst="rect">
-            <a:avLst/>
-          </a:prstGeom>
-        </p:spPr>
-        <p:txBody>
-          <a:bodyPr lIns="57960" rIns="57960" tIns="29160" bIns="29160" anchor="ctr"/>
-          <a:p>
-            <a:pPr algn="ctr">
-              <a:lnSpc>
-                <a:spcPct val="100000"/>
-              </a:lnSpc>
-            </a:pPr>
-            <a:r>
-              <a:rPr lang="en-US" sz="2800">
-                <a:solidFill>
-                  <a:srgbClr val="000000"/>
-                </a:solidFill>
-                <a:latin typeface="Calibri"/>
-              </a:rPr>
-              <a:t>Click to edit the title text formatModifiez le style du titre</a:t>
+            <a:off x="324000" y="1845720"/>
+            <a:ext cx="3675600" cy="1273680"/>
+          </a:xfrm>
+          <a:prstGeom prst="rect">
+            <a:avLst/>
+          </a:prstGeom>
+        </p:spPr>
+        <p:txBody>
+          <a:bodyPr lIns="0" rIns="0" tIns="0" bIns="0" anchor="ctr"/>
+          <a:p>
+            <a:r>
+              <a:rPr lang="en-US">
+                <a:latin typeface="Arial"/>
+              </a:rPr>
+              <a:t>Click to edit the title text format</a:t>
             </a:r>
             <a:endParaRPr/>
           </a:p>
@@ -1231,119 +1233,13 @@
             <a:spLocks noGrp="1"/>
           </p:cNvSpPr>
           <p:nvPr>
-            <p:ph type="dt"/>
-          </p:nvPr>
-        </p:nvSpPr>
-        <p:spPr>
-          <a:xfrm>
-            <a:off x="216000" y="5402880"/>
-            <a:ext cx="1008000" cy="309960"/>
-          </a:xfrm>
-          <a:prstGeom prst="rect">
-            <a:avLst/>
-          </a:prstGeom>
-        </p:spPr>
-        <p:txBody>
-          <a:bodyPr lIns="57960" rIns="57960" tIns="29160" bIns="29160" anchor="ctr"/>
-          <a:p>
-            <a:pPr>
-              <a:lnSpc>
-                <a:spcPct val="100000"/>
-              </a:lnSpc>
-            </a:pPr>
-            <a:r>
-              <a:rPr lang="en-US" sz="800">
-                <a:solidFill>
-                  <a:srgbClr val="8b8b8b"/>
-                </a:solidFill>
-                <a:latin typeface="Calibri"/>
-              </a:rPr>
-              <a:t>3/29/17</a:t>
-            </a:r>
-            <a:endParaRPr/>
-          </a:p>
-        </p:txBody>
-      </p:sp>
-      <p:sp>
-        <p:nvSpPr>
-          <p:cNvPr id="2" name="PlaceHolder 3"/>
-          <p:cNvSpPr>
-            <a:spLocks noGrp="1"/>
-          </p:cNvSpPr>
-          <p:nvPr>
-            <p:ph type="ftr"/>
-          </p:nvPr>
-        </p:nvSpPr>
-        <p:spPr>
-          <a:xfrm>
-            <a:off x="1476360" y="5402880"/>
-            <a:ext cx="1368000" cy="309960"/>
-          </a:xfrm>
-          <a:prstGeom prst="rect">
-            <a:avLst/>
-          </a:prstGeom>
-        </p:spPr>
-        <p:txBody>
-          <a:bodyPr lIns="57960" rIns="57960" tIns="29160" bIns="29160" anchor="ctr"/>
-          <a:p>
-            <a:endParaRPr/>
-          </a:p>
-        </p:txBody>
-      </p:sp>
-      <p:sp>
-        <p:nvSpPr>
-          <p:cNvPr id="3" name="PlaceHolder 4"/>
-          <p:cNvSpPr>
-            <a:spLocks noGrp="1"/>
-          </p:cNvSpPr>
-          <p:nvPr>
-            <p:ph type="sldNum"/>
-          </p:nvPr>
-        </p:nvSpPr>
-        <p:spPr>
-          <a:xfrm>
-            <a:off x="3096720" y="5402880"/>
-            <a:ext cx="1008000" cy="309960"/>
-          </a:xfrm>
-          <a:prstGeom prst="rect">
-            <a:avLst/>
-          </a:prstGeom>
-        </p:spPr>
-        <p:txBody>
-          <a:bodyPr lIns="57960" rIns="57960" tIns="29160" bIns="29160" anchor="ctr"/>
-          <a:p>
-            <a:pPr algn="r">
-              <a:lnSpc>
-                <a:spcPct val="100000"/>
-              </a:lnSpc>
-            </a:pPr>
-            <a:fld id="{D2E28F60-20B6-407C-ABAB-8274A552F2DC}" type="slidenum">
-              <a:rPr lang="en-US" sz="800">
-                <a:solidFill>
-                  <a:srgbClr val="8b8b8b"/>
-                </a:solidFill>
-                <a:latin typeface="Calibri"/>
-              </a:rPr>
-              <a:t>&lt;number&gt;</a:t>
-            </a:fld>
-            <a:endParaRPr/>
-          </a:p>
-        </p:txBody>
-      </p:sp>
-      <p:sp>
-        <p:nvSpPr>
-          <p:cNvPr id="4" name="PlaceHolder 5"/>
-          <p:cNvSpPr>
-            <a:spLocks noGrp="1"/>
-          </p:cNvSpPr>
-          <p:nvPr>
             <p:ph type="body"/>
           </p:nvPr>
         </p:nvSpPr>
         <p:spPr>
           <a:xfrm>
-            <a:off x="216000" y="1364040"/>
-            <a:ext cx="3888360" cy="3380400"/>
+            <a:off x="216000" y="1390320"/>
+            <a:ext cx="3891960" cy="3446640"/>
           </a:xfrm>
           <a:prstGeom prst="rect">
             <a:avLst/>
@@ -1358,8 +1254,8 @@
               <a:buChar char=""/>
             </a:pPr>
             <a:r>
-              <a:rPr lang="en-US" sz="2000">
-                <a:latin typeface="Calibri"/>
+              <a:rPr lang="en-US" sz="3259">
+                <a:latin typeface="Arial"/>
               </a:rPr>
               <a:t>Click to edit the outline text format</a:t>
             </a:r>
@@ -1372,8 +1268,8 @@
               <a:buChar char=""/>
             </a:pPr>
             <a:r>
-              <a:rPr lang="en-US" sz="1500">
-                <a:latin typeface="Calibri"/>
+              <a:rPr lang="en-US" sz="2850">
+                <a:latin typeface="Arial"/>
               </a:rPr>
               <a:t>Second Outline Level</a:t>
             </a:r>
@@ -1386,8 +1282,8 @@
               <a:buChar char=""/>
             </a:pPr>
             <a:r>
-              <a:rPr lang="en-US" sz="1300">
-                <a:latin typeface="Calibri"/>
+              <a:rPr lang="en-US" sz="2440">
+                <a:latin typeface="Arial"/>
               </a:rPr>
               <a:t>Third Outline Level</a:t>
             </a:r>
@@ -1400,8 +1296,8 @@
               <a:buChar char=""/>
             </a:pPr>
             <a:r>
-              <a:rPr lang="en-US" sz="1300">
-                <a:latin typeface="Calibri"/>
+              <a:rPr lang="en-US" sz="2040">
+                <a:latin typeface="Arial"/>
               </a:rPr>
               <a:t>Fourth Outline Level</a:t>
             </a:r>
@@ -1414,8 +1310,8 @@
               <a:buChar char=""/>
             </a:pPr>
             <a:r>
-              <a:rPr lang="en-US" sz="2000">
-                <a:latin typeface="Calibri"/>
+              <a:rPr lang="en-US" sz="2040">
+                <a:latin typeface="Arial"/>
               </a:rPr>
               <a:t>Fifth Outline Level</a:t>
             </a:r>
@@ -1428,8 +1324,8 @@
               <a:buChar char=""/>
             </a:pPr>
             <a:r>
-              <a:rPr lang="en-US" sz="2000">
-                <a:latin typeface="Calibri"/>
+              <a:rPr lang="en-US" sz="2040">
+                <a:latin typeface="Arial"/>
               </a:rPr>
               <a:t>Sixth Outline Level</a:t>
             </a:r>
@@ -1442,8 +1338,8 @@
               <a:buChar char=""/>
             </a:pPr>
             <a:r>
-              <a:rPr lang="en-US" sz="2000">
-                <a:latin typeface="Calibri"/>
+              <a:rPr lang="en-US" sz="2040">
+                <a:latin typeface="Arial"/>
               </a:rPr>
               <a:t>Seventh Outline Level</a:t>
             </a:r>
@@ -1474,6 +1370,13 @@
 <file path=ppt/slides/slide1.xml><?xml version="1.0" encoding="utf-8"?>
 <p:sld xmlns:a="http://schemas.openxmlformats.org/drawingml/2006/main" xmlns:p="http://schemas.openxmlformats.org/presentationml/2006/main" xmlns:r="http://schemas.openxmlformats.org/officeDocument/2006/relationships">
   <p:cSld>
+    <p:bg>
+      <p:bgPr>
+        <a:solidFill>
+          <a:srgbClr val="ffffff"/>
+        </a:solidFill>
+      </p:bgPr>
+    </p:bg>
     <p:spTree>
       <p:nvGrpSpPr>
         <p:cNvPr id="1" name=""/>
@@ -1490,7 +1393,7 @@
       </p:grpSpPr>
       <p:pic>
         <p:nvPicPr>
-          <p:cNvPr id="39" name="Picture 4" descr=""/>
+          <p:cNvPr id="36" name="Picture 4" descr=""/>
           <p:cNvPicPr/>
           <p:nvPr/>
         </p:nvPicPr>
@@ -1502,8 +1405,8 @@
         </p:blipFill>
         <p:spPr>
           <a:xfrm>
-            <a:off x="1823040" y="39960"/>
-            <a:ext cx="2569320" cy="1497960"/>
+            <a:off x="1823040" y="40680"/>
+            <a:ext cx="2568960" cy="1497600"/>
           </a:xfrm>
           <a:prstGeom prst="rect">
             <a:avLst/>
@@ -1515,21 +1418,21 @@
       </p:pic>
       <p:pic>
         <p:nvPicPr>
-          <p:cNvPr id="40" name="Picture 3" descr=""/>
+          <p:cNvPr id="37" name="Picture 3" descr=""/>
           <p:cNvPicPr/>
           <p:nvPr/>
         </p:nvPicPr>
         <p:blipFill>
           <a:blip r:embed="rId2"/>
-          <a:srcRect l="0" t="0" r="10151" b="0"/>
+          <a:srcRect l="0" t="0" r="10137" b="0"/>
           <a:stretch>
             <a:fillRect/>
           </a:stretch>
         </p:blipFill>
         <p:spPr>
           <a:xfrm>
-            <a:off x="-1440" y="33840"/>
-            <a:ext cx="2342160" cy="1518120"/>
+            <a:off x="-1440" y="34560"/>
+            <a:ext cx="2341800" cy="1517760"/>
           </a:xfrm>
           <a:prstGeom prst="rect">
             <a:avLst/>
@@ -1541,21 +1444,21 @@
       </p:pic>
       <p:pic>
         <p:nvPicPr>
-          <p:cNvPr id="41" name="Picture 4" descr=""/>
+          <p:cNvPr id="38" name="Picture 4" descr=""/>
           <p:cNvPicPr/>
           <p:nvPr/>
         </p:nvPicPr>
         <p:blipFill>
           <a:blip r:embed="rId3"/>
-          <a:srcRect l="3981" t="1675" r="7740" b="0"/>
+          <a:srcRect l="3966" t="1668" r="7725" b="0"/>
           <a:stretch>
             <a:fillRect/>
           </a:stretch>
         </p:blipFill>
         <p:spPr>
           <a:xfrm>
-            <a:off x="2011320" y="1196640"/>
-            <a:ext cx="2141640" cy="4657320"/>
+            <a:off x="2011320" y="1197360"/>
+            <a:ext cx="2141280" cy="4656960"/>
           </a:xfrm>
           <a:prstGeom prst="rect">
             <a:avLst/>
@@ -1567,21 +1470,21 @@
       </p:pic>
       <p:pic>
         <p:nvPicPr>
-          <p:cNvPr id="42" name="Picture 7" descr=""/>
+          <p:cNvPr id="39" name="Picture 7" descr=""/>
           <p:cNvPicPr/>
           <p:nvPr/>
         </p:nvPicPr>
         <p:blipFill>
           <a:blip r:embed="rId4"/>
-          <a:srcRect l="0" t="1623" r="7661" b="0"/>
+          <a:srcRect l="0" t="1615" r="7647" b="0"/>
           <a:stretch>
             <a:fillRect/>
           </a:stretch>
         </p:blipFill>
         <p:spPr>
           <a:xfrm>
-            <a:off x="106560" y="1191600"/>
-            <a:ext cx="2260080" cy="4671360"/>
+            <a:off x="106560" y="1192320"/>
+            <a:ext cx="2259720" cy="4671000"/>
           </a:xfrm>
           <a:prstGeom prst="rect">
             <a:avLst/>
@@ -1593,14 +1496,14 @@
       </p:pic>
       <p:sp>
         <p:nvSpPr>
-          <p:cNvPr id="43" name="CustomShape 1"/>
+          <p:cNvPr id="40" name="CustomShape 1"/>
           <p:cNvSpPr/>
           <p:nvPr/>
         </p:nvSpPr>
         <p:spPr>
           <a:xfrm>
-            <a:off x="2754000" y="2771640"/>
-            <a:ext cx="500760" cy="395640"/>
+            <a:off x="2754000" y="2772360"/>
+            <a:ext cx="500400" cy="395280"/>
           </a:xfrm>
           <a:prstGeom prst="ellipse">
             <a:avLst/>
@@ -1616,14 +1519,14 @@
       </p:sp>
       <p:sp>
         <p:nvSpPr>
-          <p:cNvPr id="44" name="CustomShape 2"/>
+          <p:cNvPr id="41" name="CustomShape 2"/>
           <p:cNvSpPr/>
           <p:nvPr/>
         </p:nvSpPr>
         <p:spPr>
           <a:xfrm>
-            <a:off x="1670760" y="3527640"/>
-            <a:ext cx="500760" cy="395640"/>
+            <a:off x="1670760" y="3528360"/>
+            <a:ext cx="500400" cy="395280"/>
           </a:xfrm>
           <a:prstGeom prst="ellipse">
             <a:avLst/>
@@ -1639,14 +1542,14 @@
       </p:sp>
       <p:sp>
         <p:nvSpPr>
-          <p:cNvPr id="45" name="CustomShape 3"/>
+          <p:cNvPr id="42" name="CustomShape 3"/>
           <p:cNvSpPr/>
           <p:nvPr/>
         </p:nvSpPr>
         <p:spPr>
           <a:xfrm>
-            <a:off x="1672560" y="1187640"/>
-            <a:ext cx="539280" cy="303480"/>
+            <a:off x="1672560" y="1188360"/>
+            <a:ext cx="538920" cy="303120"/>
           </a:xfrm>
           <a:prstGeom prst="rect">
             <a:avLst/>
@@ -1671,22 +1574,22 @@
                 </a:solidFill>
                 <a:latin typeface="Times New Roman"/>
               </a:rPr>
-              <a:t>QD4</a:t>
-            </a:r>
-            <a:endParaRPr/>
-          </a:p>
-        </p:txBody>
-      </p:sp>
-      <p:sp>
-        <p:nvSpPr>
-          <p:cNvPr id="46" name="CustomShape 4"/>
+              <a:t>QD3</a:t>
+            </a:r>
+            <a:endParaRPr/>
+          </a:p>
+        </p:txBody>
+      </p:sp>
+      <p:sp>
+        <p:nvSpPr>
+          <p:cNvPr id="43" name="CustomShape 4"/>
           <p:cNvSpPr/>
           <p:nvPr/>
         </p:nvSpPr>
         <p:spPr>
           <a:xfrm>
-            <a:off x="3505320" y="1187640"/>
-            <a:ext cx="539280" cy="303480"/>
+            <a:off x="3505320" y="1188360"/>
+            <a:ext cx="538920" cy="303120"/>
           </a:xfrm>
           <a:prstGeom prst="rect">
             <a:avLst/>
@@ -1711,22 +1614,22 @@
                 </a:solidFill>
                 <a:latin typeface="Times New Roman"/>
               </a:rPr>
-              <a:t>QD4</a:t>
-            </a:r>
-            <a:endParaRPr/>
-          </a:p>
-        </p:txBody>
-      </p:sp>
-      <p:sp>
-        <p:nvSpPr>
-          <p:cNvPr id="47" name="CustomShape 5"/>
+              <a:t>QD3</a:t>
+            </a:r>
+            <a:endParaRPr/>
+          </a:p>
+        </p:txBody>
+      </p:sp>
+      <p:sp>
+        <p:nvSpPr>
+          <p:cNvPr id="44" name="CustomShape 5"/>
           <p:cNvSpPr/>
           <p:nvPr/>
         </p:nvSpPr>
         <p:spPr>
           <a:xfrm>
-            <a:off x="1703880" y="1455840"/>
-            <a:ext cx="630720" cy="303480"/>
+            <a:off x="1703880" y="1456560"/>
+            <a:ext cx="630360" cy="303120"/>
           </a:xfrm>
           <a:prstGeom prst="rect">
             <a:avLst/>
@@ -1777,14 +1680,14 @@
       </p:sp>
       <p:sp>
         <p:nvSpPr>
-          <p:cNvPr id="48" name="CustomShape 6"/>
+          <p:cNvPr id="45" name="CustomShape 6"/>
           <p:cNvSpPr/>
           <p:nvPr/>
         </p:nvSpPr>
         <p:spPr>
           <a:xfrm>
-            <a:off x="3545280" y="1475640"/>
-            <a:ext cx="578880" cy="303480"/>
+            <a:off x="3545280" y="1476360"/>
+            <a:ext cx="578520" cy="303120"/>
           </a:xfrm>
           <a:prstGeom prst="rect">
             <a:avLst/>
@@ -1817,14 +1720,14 @@
       </p:sp>
       <p:sp>
         <p:nvSpPr>
-          <p:cNvPr id="49" name="CustomShape 7"/>
+          <p:cNvPr id="46" name="CustomShape 7"/>
           <p:cNvSpPr/>
           <p:nvPr/>
         </p:nvSpPr>
         <p:spPr>
           <a:xfrm>
-            <a:off x="691200" y="4930560"/>
-            <a:ext cx="382320" cy="257760"/>
+            <a:off x="691200" y="4931280"/>
+            <a:ext cx="381960" cy="257400"/>
           </a:xfrm>
           <a:prstGeom prst="rect">
             <a:avLst/>
@@ -1866,14 +1769,14 @@
       </p:sp>
       <p:sp>
         <p:nvSpPr>
-          <p:cNvPr id="50" name="CustomShape 8"/>
+          <p:cNvPr id="47" name="CustomShape 8"/>
           <p:cNvSpPr/>
           <p:nvPr/>
         </p:nvSpPr>
         <p:spPr>
           <a:xfrm>
-            <a:off x="2484000" y="4932000"/>
-            <a:ext cx="382320" cy="257760"/>
+            <a:off x="2484000" y="4932720"/>
+            <a:ext cx="381960" cy="257400"/>
           </a:xfrm>
           <a:prstGeom prst="rect">
             <a:avLst/>
@@ -1915,14 +1818,14 @@
       </p:sp>
       <p:sp>
         <p:nvSpPr>
-          <p:cNvPr id="51" name="CustomShape 9"/>
+          <p:cNvPr id="48" name="CustomShape 9"/>
           <p:cNvSpPr/>
           <p:nvPr/>
         </p:nvSpPr>
         <p:spPr>
           <a:xfrm>
-            <a:off x="1862280" y="1898640"/>
-            <a:ext cx="315360" cy="257760"/>
+            <a:off x="1862280" y="1899360"/>
+            <a:ext cx="315000" cy="257400"/>
           </a:xfrm>
           <a:prstGeom prst="rect">
             <a:avLst/>
@@ -1964,14 +1867,14 @@
       </p:sp>
       <p:sp>
         <p:nvSpPr>
-          <p:cNvPr id="52" name="CustomShape 10"/>
+          <p:cNvPr id="49" name="CustomShape 10"/>
           <p:cNvSpPr/>
           <p:nvPr/>
         </p:nvSpPr>
         <p:spPr>
           <a:xfrm>
-            <a:off x="3691800" y="1898280"/>
-            <a:ext cx="315360" cy="257760"/>
+            <a:off x="3691800" y="1899000"/>
+            <a:ext cx="315000" cy="257400"/>
           </a:xfrm>
           <a:prstGeom prst="rect">
             <a:avLst/>
@@ -2013,14 +1916,14 @@
       </p:sp>
       <p:sp>
         <p:nvSpPr>
-          <p:cNvPr id="53" name="CustomShape 11"/>
+          <p:cNvPr id="50" name="CustomShape 11"/>
           <p:cNvSpPr/>
           <p:nvPr/>
         </p:nvSpPr>
         <p:spPr>
           <a:xfrm>
-            <a:off x="608760" y="118800"/>
-            <a:ext cx="417240" cy="333720"/>
+            <a:off x="608760" y="119520"/>
+            <a:ext cx="416880" cy="333360"/>
           </a:xfrm>
           <a:prstGeom prst="rect">
             <a:avLst/>
@@ -2053,14 +1956,14 @@
       </p:sp>
       <p:sp>
         <p:nvSpPr>
-          <p:cNvPr id="54" name="CustomShape 12"/>
+          <p:cNvPr id="51" name="CustomShape 12"/>
           <p:cNvSpPr/>
           <p:nvPr/>
         </p:nvSpPr>
         <p:spPr>
           <a:xfrm>
-            <a:off x="2377440" y="118800"/>
-            <a:ext cx="428040" cy="333720"/>
+            <a:off x="2377440" y="119520"/>
+            <a:ext cx="427680" cy="333360"/>
           </a:xfrm>
           <a:prstGeom prst="rect">
             <a:avLst/>

--- a/04 - Cr MagOpt/Picture/MagOptLowSym.pptx
+++ b/04 - Cr MagOpt/Picture/MagOptLowSym.pptx
@@ -7,7 +7,7 @@
   <p:sldIdLst>
     <p:sldId id="256" r:id="rId3"/>
   </p:sldIdLst>
-  <p:sldSz cx="4324350" cy="5943600"/>
+  <p:sldSz cx="4321175" cy="5940425"/>
   <p:notesSz cx="7559675" cy="10691812"/>
 </p:presentation>
 </file>
@@ -53,7 +53,7 @@
       </p:grpSpPr>
       <p:sp>
         <p:nvSpPr>
-          <p:cNvPr id="23" name="PlaceHolder 1"/>
+          <p:cNvPr id="26" name="PlaceHolder 1"/>
           <p:cNvSpPr>
             <a:spLocks noGrp="1"/>
           </p:cNvSpPr>
@@ -63,8 +63,8 @@
         </p:nvSpPr>
         <p:spPr>
           <a:xfrm>
-            <a:off x="324000" y="1843920"/>
-            <a:ext cx="3675600" cy="1277640"/>
+            <a:off x="324000" y="1845360"/>
+            <a:ext cx="3672720" cy="1273320"/>
           </a:xfrm>
           <a:prstGeom prst="rect">
             <a:avLst/>
@@ -73,14 +73,13 @@
         <p:txBody>
           <a:bodyPr lIns="0" rIns="0" tIns="0" bIns="0" anchor="ctr"/>
           <a:p>
-            <a:pPr algn="ctr"/>
-            <a:endParaRPr/>
-          </a:p>
-        </p:txBody>
-      </p:sp>
-      <p:sp>
-        <p:nvSpPr>
-          <p:cNvPr id="24" name="PlaceHolder 2"/>
+            <a:endParaRPr/>
+          </a:p>
+        </p:txBody>
+      </p:sp>
+      <p:sp>
+        <p:nvSpPr>
+          <p:cNvPr id="27" name="PlaceHolder 2"/>
           <p:cNvSpPr>
             <a:spLocks noGrp="1"/>
           </p:cNvSpPr>
@@ -90,8 +89,8 @@
         </p:nvSpPr>
         <p:spPr>
           <a:xfrm>
-            <a:off x="216000" y="1390320"/>
-            <a:ext cx="3891960" cy="1643760"/>
+            <a:off x="216000" y="1389960"/>
+            <a:ext cx="3888360" cy="1643040"/>
           </a:xfrm>
           <a:prstGeom prst="rect">
             <a:avLst/>
@@ -106,7 +105,7 @@
       </p:sp>
       <p:sp>
         <p:nvSpPr>
-          <p:cNvPr id="25" name="PlaceHolder 3"/>
+          <p:cNvPr id="28" name="PlaceHolder 3"/>
           <p:cNvSpPr>
             <a:spLocks noGrp="1"/>
           </p:cNvSpPr>
@@ -116,8 +115,8 @@
         </p:nvSpPr>
         <p:spPr>
           <a:xfrm>
-            <a:off x="216000" y="3190680"/>
-            <a:ext cx="3891960" cy="1643760"/>
+            <a:off x="216000" y="3189600"/>
+            <a:ext cx="3888360" cy="1643040"/>
           </a:xfrm>
           <a:prstGeom prst="rect">
             <a:avLst/>
@@ -154,7 +153,7 @@
       </p:grpSpPr>
       <p:sp>
         <p:nvSpPr>
-          <p:cNvPr id="26" name="PlaceHolder 1"/>
+          <p:cNvPr id="29" name="PlaceHolder 1"/>
           <p:cNvSpPr>
             <a:spLocks noGrp="1"/>
           </p:cNvSpPr>
@@ -164,8 +163,8 @@
         </p:nvSpPr>
         <p:spPr>
           <a:xfrm>
-            <a:off x="324000" y="1843920"/>
-            <a:ext cx="3675600" cy="1277640"/>
+            <a:off x="324000" y="1845360"/>
+            <a:ext cx="3672720" cy="1273320"/>
           </a:xfrm>
           <a:prstGeom prst="rect">
             <a:avLst/>
@@ -174,14 +173,13 @@
         <p:txBody>
           <a:bodyPr lIns="0" rIns="0" tIns="0" bIns="0" anchor="ctr"/>
           <a:p>
-            <a:pPr algn="ctr"/>
-            <a:endParaRPr/>
-          </a:p>
-        </p:txBody>
-      </p:sp>
-      <p:sp>
-        <p:nvSpPr>
-          <p:cNvPr id="27" name="PlaceHolder 2"/>
+            <a:endParaRPr/>
+          </a:p>
+        </p:txBody>
+      </p:sp>
+      <p:sp>
+        <p:nvSpPr>
+          <p:cNvPr id="30" name="PlaceHolder 2"/>
           <p:cNvSpPr>
             <a:spLocks noGrp="1"/>
           </p:cNvSpPr>
@@ -191,8 +189,8 @@
         </p:nvSpPr>
         <p:spPr>
           <a:xfrm>
-            <a:off x="216000" y="1390320"/>
-            <a:ext cx="1899000" cy="1643760"/>
+            <a:off x="216000" y="1389960"/>
+            <a:ext cx="1897200" cy="1643040"/>
           </a:xfrm>
           <a:prstGeom prst="rect">
             <a:avLst/>
@@ -207,7 +205,7 @@
       </p:sp>
       <p:sp>
         <p:nvSpPr>
-          <p:cNvPr id="28" name="PlaceHolder 3"/>
+          <p:cNvPr id="31" name="PlaceHolder 3"/>
           <p:cNvSpPr>
             <a:spLocks noGrp="1"/>
           </p:cNvSpPr>
@@ -217,8 +215,8 @@
         </p:nvSpPr>
         <p:spPr>
           <a:xfrm>
-            <a:off x="2210400" y="1390320"/>
-            <a:ext cx="1899000" cy="1643760"/>
+            <a:off x="2208600" y="1389960"/>
+            <a:ext cx="1897200" cy="1643040"/>
           </a:xfrm>
           <a:prstGeom prst="rect">
             <a:avLst/>
@@ -233,7 +231,7 @@
       </p:sp>
       <p:sp>
         <p:nvSpPr>
-          <p:cNvPr id="29" name="PlaceHolder 4"/>
+          <p:cNvPr id="32" name="PlaceHolder 4"/>
           <p:cNvSpPr>
             <a:spLocks noGrp="1"/>
           </p:cNvSpPr>
@@ -243,8 +241,8 @@
         </p:nvSpPr>
         <p:spPr>
           <a:xfrm>
-            <a:off x="2210400" y="3190680"/>
-            <a:ext cx="1899000" cy="1643760"/>
+            <a:off x="2208600" y="3189600"/>
+            <a:ext cx="1897200" cy="1643040"/>
           </a:xfrm>
           <a:prstGeom prst="rect">
             <a:avLst/>
@@ -259,7 +257,7 @@
       </p:sp>
       <p:sp>
         <p:nvSpPr>
-          <p:cNvPr id="30" name="PlaceHolder 5"/>
+          <p:cNvPr id="33" name="PlaceHolder 5"/>
           <p:cNvSpPr>
             <a:spLocks noGrp="1"/>
           </p:cNvSpPr>
@@ -269,8 +267,8 @@
         </p:nvSpPr>
         <p:spPr>
           <a:xfrm>
-            <a:off x="216000" y="3190680"/>
-            <a:ext cx="1899000" cy="1643760"/>
+            <a:off x="216000" y="3189600"/>
+            <a:ext cx="1897200" cy="1643040"/>
           </a:xfrm>
           <a:prstGeom prst="rect">
             <a:avLst/>
@@ -307,7 +305,7 @@
       </p:grpSpPr>
       <p:sp>
         <p:nvSpPr>
-          <p:cNvPr id="31" name="PlaceHolder 1"/>
+          <p:cNvPr id="34" name="PlaceHolder 1"/>
           <p:cNvSpPr>
             <a:spLocks noGrp="1"/>
           </p:cNvSpPr>
@@ -317,8 +315,8 @@
         </p:nvSpPr>
         <p:spPr>
           <a:xfrm>
-            <a:off x="324000" y="1843920"/>
-            <a:ext cx="3675600" cy="1277640"/>
+            <a:off x="324000" y="1845360"/>
+            <a:ext cx="3672720" cy="1273320"/>
           </a:xfrm>
           <a:prstGeom prst="rect">
             <a:avLst/>
@@ -327,14 +325,13 @@
         <p:txBody>
           <a:bodyPr lIns="0" rIns="0" tIns="0" bIns="0" anchor="ctr"/>
           <a:p>
-            <a:pPr algn="ctr"/>
-            <a:endParaRPr/>
-          </a:p>
-        </p:txBody>
-      </p:sp>
-      <p:sp>
-        <p:nvSpPr>
-          <p:cNvPr id="32" name="PlaceHolder 2"/>
+            <a:endParaRPr/>
+          </a:p>
+        </p:txBody>
+      </p:sp>
+      <p:sp>
+        <p:nvSpPr>
+          <p:cNvPr id="35" name="PlaceHolder 2"/>
           <p:cNvSpPr>
             <a:spLocks noGrp="1"/>
           </p:cNvSpPr>
@@ -344,8 +341,8 @@
         </p:nvSpPr>
         <p:spPr>
           <a:xfrm>
-            <a:off x="216000" y="1390320"/>
-            <a:ext cx="3891960" cy="3446640"/>
+            <a:off x="216000" y="1389960"/>
+            <a:ext cx="3888360" cy="3444840"/>
           </a:xfrm>
           <a:prstGeom prst="rect">
             <a:avLst/>
@@ -360,7 +357,7 @@
       </p:sp>
       <p:sp>
         <p:nvSpPr>
-          <p:cNvPr id="33" name="PlaceHolder 3"/>
+          <p:cNvPr id="36" name="PlaceHolder 3"/>
           <p:cNvSpPr>
             <a:spLocks noGrp="1"/>
           </p:cNvSpPr>
@@ -370,8 +367,8 @@
         </p:nvSpPr>
         <p:spPr>
           <a:xfrm>
-            <a:off x="216000" y="1390320"/>
-            <a:ext cx="3891960" cy="3446640"/>
+            <a:off x="216000" y="1389960"/>
+            <a:ext cx="3888360" cy="3444840"/>
           </a:xfrm>
           <a:prstGeom prst="rect">
             <a:avLst/>
@@ -386,7 +383,7 @@
       </p:sp>
       <p:pic>
         <p:nvPicPr>
-          <p:cNvPr id="34" name="" descr=""/>
+          <p:cNvPr id="37" name="" descr=""/>
           <p:cNvPicPr/>
           <p:nvPr/>
         </p:nvPicPr>
@@ -399,7 +396,7 @@
         <p:spPr>
           <a:xfrm>
             <a:off x="215640" y="1560960"/>
-            <a:ext cx="3891960" cy="3105000"/>
+            <a:ext cx="3888360" cy="3102120"/>
           </a:xfrm>
           <a:prstGeom prst="rect">
             <a:avLst/>
@@ -411,7 +408,7 @@
       </p:pic>
       <p:pic>
         <p:nvPicPr>
-          <p:cNvPr id="35" name="" descr=""/>
+          <p:cNvPr id="38" name="" descr=""/>
           <p:cNvPicPr/>
           <p:nvPr/>
         </p:nvPicPr>
@@ -424,7 +421,7 @@
         <p:spPr>
           <a:xfrm>
             <a:off x="215640" y="1560960"/>
-            <a:ext cx="3891960" cy="3105000"/>
+            <a:ext cx="3888360" cy="3102120"/>
           </a:xfrm>
           <a:prstGeom prst="rect">
             <a:avLst/>
@@ -458,7 +455,7 @@
       </p:grpSpPr>
       <p:sp>
         <p:nvSpPr>
-          <p:cNvPr id="2" name="PlaceHolder 1"/>
+          <p:cNvPr id="5" name="PlaceHolder 1"/>
           <p:cNvSpPr>
             <a:spLocks noGrp="1"/>
           </p:cNvSpPr>
@@ -468,8 +465,8 @@
         </p:nvSpPr>
         <p:spPr>
           <a:xfrm>
-            <a:off x="324000" y="1843920"/>
-            <a:ext cx="3675600" cy="1277640"/>
+            <a:off x="324000" y="1845360"/>
+            <a:ext cx="3672720" cy="1273320"/>
           </a:xfrm>
           <a:prstGeom prst="rect">
             <a:avLst/>
@@ -478,14 +475,13 @@
         <p:txBody>
           <a:bodyPr lIns="0" rIns="0" tIns="0" bIns="0" anchor="ctr"/>
           <a:p>
-            <a:pPr algn="ctr"/>
-            <a:endParaRPr/>
-          </a:p>
-        </p:txBody>
-      </p:sp>
-      <p:sp>
-        <p:nvSpPr>
-          <p:cNvPr id="3" name="PlaceHolder 2"/>
+            <a:endParaRPr/>
+          </a:p>
+        </p:txBody>
+      </p:sp>
+      <p:sp>
+        <p:nvSpPr>
+          <p:cNvPr id="6" name="PlaceHolder 2"/>
           <p:cNvSpPr>
             <a:spLocks noGrp="1"/>
           </p:cNvSpPr>
@@ -495,8 +491,8 @@
         </p:nvSpPr>
         <p:spPr>
           <a:xfrm>
-            <a:off x="216000" y="1390320"/>
-            <a:ext cx="3891960" cy="3447000"/>
+            <a:off x="216000" y="1389960"/>
+            <a:ext cx="3888360" cy="3445200"/>
           </a:xfrm>
           <a:prstGeom prst="rect">
             <a:avLst/>
@@ -534,7 +530,7 @@
       </p:grpSpPr>
       <p:sp>
         <p:nvSpPr>
-          <p:cNvPr id="4" name="PlaceHolder 1"/>
+          <p:cNvPr id="7" name="PlaceHolder 1"/>
           <p:cNvSpPr>
             <a:spLocks noGrp="1"/>
           </p:cNvSpPr>
@@ -544,8 +540,8 @@
         </p:nvSpPr>
         <p:spPr>
           <a:xfrm>
-            <a:off x="324000" y="1843920"/>
-            <a:ext cx="3675600" cy="1277640"/>
+            <a:off x="324000" y="1845360"/>
+            <a:ext cx="3672720" cy="1273320"/>
           </a:xfrm>
           <a:prstGeom prst="rect">
             <a:avLst/>
@@ -554,14 +550,13 @@
         <p:txBody>
           <a:bodyPr lIns="0" rIns="0" tIns="0" bIns="0" anchor="ctr"/>
           <a:p>
-            <a:pPr algn="ctr"/>
-            <a:endParaRPr/>
-          </a:p>
-        </p:txBody>
-      </p:sp>
-      <p:sp>
-        <p:nvSpPr>
-          <p:cNvPr id="5" name="PlaceHolder 2"/>
+            <a:endParaRPr/>
+          </a:p>
+        </p:txBody>
+      </p:sp>
+      <p:sp>
+        <p:nvSpPr>
+          <p:cNvPr id="8" name="PlaceHolder 2"/>
           <p:cNvSpPr>
             <a:spLocks noGrp="1"/>
           </p:cNvSpPr>
@@ -571,8 +566,8 @@
         </p:nvSpPr>
         <p:spPr>
           <a:xfrm>
-            <a:off x="216000" y="1390320"/>
-            <a:ext cx="3891960" cy="3446640"/>
+            <a:off x="216000" y="1389960"/>
+            <a:ext cx="3888360" cy="3444840"/>
           </a:xfrm>
           <a:prstGeom prst="rect">
             <a:avLst/>
@@ -609,7 +604,7 @@
       </p:grpSpPr>
       <p:sp>
         <p:nvSpPr>
-          <p:cNvPr id="6" name="PlaceHolder 1"/>
+          <p:cNvPr id="9" name="PlaceHolder 1"/>
           <p:cNvSpPr>
             <a:spLocks noGrp="1"/>
           </p:cNvSpPr>
@@ -619,8 +614,8 @@
         </p:nvSpPr>
         <p:spPr>
           <a:xfrm>
-            <a:off x="324000" y="1843920"/>
-            <a:ext cx="3675600" cy="1277640"/>
+            <a:off x="324000" y="1845360"/>
+            <a:ext cx="3672720" cy="1273320"/>
           </a:xfrm>
           <a:prstGeom prst="rect">
             <a:avLst/>
@@ -629,14 +624,13 @@
         <p:txBody>
           <a:bodyPr lIns="0" rIns="0" tIns="0" bIns="0" anchor="ctr"/>
           <a:p>
-            <a:pPr algn="ctr"/>
-            <a:endParaRPr/>
-          </a:p>
-        </p:txBody>
-      </p:sp>
-      <p:sp>
-        <p:nvSpPr>
-          <p:cNvPr id="7" name="PlaceHolder 2"/>
+            <a:endParaRPr/>
+          </a:p>
+        </p:txBody>
+      </p:sp>
+      <p:sp>
+        <p:nvSpPr>
+          <p:cNvPr id="10" name="PlaceHolder 2"/>
           <p:cNvSpPr>
             <a:spLocks noGrp="1"/>
           </p:cNvSpPr>
@@ -646,8 +640,8 @@
         </p:nvSpPr>
         <p:spPr>
           <a:xfrm>
-            <a:off x="216000" y="1390320"/>
-            <a:ext cx="1899000" cy="3446640"/>
+            <a:off x="216000" y="1389960"/>
+            <a:ext cx="1897200" cy="3444840"/>
           </a:xfrm>
           <a:prstGeom prst="rect">
             <a:avLst/>
@@ -662,7 +656,7 @@
       </p:sp>
       <p:sp>
         <p:nvSpPr>
-          <p:cNvPr id="8" name="PlaceHolder 3"/>
+          <p:cNvPr id="11" name="PlaceHolder 3"/>
           <p:cNvSpPr>
             <a:spLocks noGrp="1"/>
           </p:cNvSpPr>
@@ -672,8 +666,8 @@
         </p:nvSpPr>
         <p:spPr>
           <a:xfrm>
-            <a:off x="2210400" y="1390320"/>
-            <a:ext cx="1899000" cy="3446640"/>
+            <a:off x="2208600" y="1389960"/>
+            <a:ext cx="1897200" cy="3444840"/>
           </a:xfrm>
           <a:prstGeom prst="rect">
             <a:avLst/>
@@ -710,7 +704,7 @@
       </p:grpSpPr>
       <p:sp>
         <p:nvSpPr>
-          <p:cNvPr id="9" name="PlaceHolder 1"/>
+          <p:cNvPr id="12" name="PlaceHolder 1"/>
           <p:cNvSpPr>
             <a:spLocks noGrp="1"/>
           </p:cNvSpPr>
@@ -720,8 +714,8 @@
         </p:nvSpPr>
         <p:spPr>
           <a:xfrm>
-            <a:off x="324000" y="1843920"/>
-            <a:ext cx="3675600" cy="1277640"/>
+            <a:off x="324000" y="1845360"/>
+            <a:ext cx="3672720" cy="1273320"/>
           </a:xfrm>
           <a:prstGeom prst="rect">
             <a:avLst/>
@@ -730,7 +724,6 @@
         <p:txBody>
           <a:bodyPr lIns="0" rIns="0" tIns="0" bIns="0" anchor="ctr"/>
           <a:p>
-            <a:pPr algn="ctr"/>
             <a:endParaRPr/>
           </a:p>
         </p:txBody>
@@ -759,7 +752,7 @@
       </p:grpSpPr>
       <p:sp>
         <p:nvSpPr>
-          <p:cNvPr id="10" name="PlaceHolder 1"/>
+          <p:cNvPr id="13" name="PlaceHolder 1"/>
           <p:cNvSpPr>
             <a:spLocks noGrp="1"/>
           </p:cNvSpPr>
@@ -769,8 +762,8 @@
         </p:nvSpPr>
         <p:spPr>
           <a:xfrm>
-            <a:off x="324000" y="1845720"/>
-            <a:ext cx="3675600" cy="5905800"/>
+            <a:off x="324000" y="1845360"/>
+            <a:ext cx="3672720" cy="5902200"/>
           </a:xfrm>
           <a:prstGeom prst="rect">
             <a:avLst/>
@@ -808,7 +801,7 @@
       </p:grpSpPr>
       <p:sp>
         <p:nvSpPr>
-          <p:cNvPr id="11" name="PlaceHolder 1"/>
+          <p:cNvPr id="14" name="PlaceHolder 1"/>
           <p:cNvSpPr>
             <a:spLocks noGrp="1"/>
           </p:cNvSpPr>
@@ -818,8 +811,8 @@
         </p:nvSpPr>
         <p:spPr>
           <a:xfrm>
-            <a:off x="324000" y="1843920"/>
-            <a:ext cx="3675600" cy="1277640"/>
+            <a:off x="324000" y="1845360"/>
+            <a:ext cx="3672720" cy="1273320"/>
           </a:xfrm>
           <a:prstGeom prst="rect">
             <a:avLst/>
@@ -828,14 +821,13 @@
         <p:txBody>
           <a:bodyPr lIns="0" rIns="0" tIns="0" bIns="0" anchor="ctr"/>
           <a:p>
-            <a:pPr algn="ctr"/>
-            <a:endParaRPr/>
-          </a:p>
-        </p:txBody>
-      </p:sp>
-      <p:sp>
-        <p:nvSpPr>
-          <p:cNvPr id="12" name="PlaceHolder 2"/>
+            <a:endParaRPr/>
+          </a:p>
+        </p:txBody>
+      </p:sp>
+      <p:sp>
+        <p:nvSpPr>
+          <p:cNvPr id="15" name="PlaceHolder 2"/>
           <p:cNvSpPr>
             <a:spLocks noGrp="1"/>
           </p:cNvSpPr>
@@ -845,8 +837,8 @@
         </p:nvSpPr>
         <p:spPr>
           <a:xfrm>
-            <a:off x="216000" y="1390320"/>
-            <a:ext cx="1899000" cy="1643760"/>
+            <a:off x="216000" y="1389960"/>
+            <a:ext cx="1897200" cy="1643040"/>
           </a:xfrm>
           <a:prstGeom prst="rect">
             <a:avLst/>
@@ -861,7 +853,7 @@
       </p:sp>
       <p:sp>
         <p:nvSpPr>
-          <p:cNvPr id="13" name="PlaceHolder 3"/>
+          <p:cNvPr id="16" name="PlaceHolder 3"/>
           <p:cNvSpPr>
             <a:spLocks noGrp="1"/>
           </p:cNvSpPr>
@@ -871,8 +863,8 @@
         </p:nvSpPr>
         <p:spPr>
           <a:xfrm>
-            <a:off x="216000" y="3190680"/>
-            <a:ext cx="1899000" cy="1643760"/>
+            <a:off x="216000" y="3189600"/>
+            <a:ext cx="1897200" cy="1643040"/>
           </a:xfrm>
           <a:prstGeom prst="rect">
             <a:avLst/>
@@ -887,7 +879,7 @@
       </p:sp>
       <p:sp>
         <p:nvSpPr>
-          <p:cNvPr id="14" name="PlaceHolder 4"/>
+          <p:cNvPr id="17" name="PlaceHolder 4"/>
           <p:cNvSpPr>
             <a:spLocks noGrp="1"/>
           </p:cNvSpPr>
@@ -897,8 +889,8 @@
         </p:nvSpPr>
         <p:spPr>
           <a:xfrm>
-            <a:off x="2210400" y="1390320"/>
-            <a:ext cx="1899000" cy="3446640"/>
+            <a:off x="2208600" y="1389960"/>
+            <a:ext cx="1897200" cy="3444840"/>
           </a:xfrm>
           <a:prstGeom prst="rect">
             <a:avLst/>
@@ -935,7 +927,7 @@
       </p:grpSpPr>
       <p:sp>
         <p:nvSpPr>
-          <p:cNvPr id="15" name="PlaceHolder 1"/>
+          <p:cNvPr id="18" name="PlaceHolder 1"/>
           <p:cNvSpPr>
             <a:spLocks noGrp="1"/>
           </p:cNvSpPr>
@@ -945,8 +937,8 @@
         </p:nvSpPr>
         <p:spPr>
           <a:xfrm>
-            <a:off x="324000" y="1843920"/>
-            <a:ext cx="3675600" cy="1277640"/>
+            <a:off x="324000" y="1845360"/>
+            <a:ext cx="3672720" cy="1273320"/>
           </a:xfrm>
           <a:prstGeom prst="rect">
             <a:avLst/>
@@ -955,14 +947,13 @@
         <p:txBody>
           <a:bodyPr lIns="0" rIns="0" tIns="0" bIns="0" anchor="ctr"/>
           <a:p>
-            <a:pPr algn="ctr"/>
-            <a:endParaRPr/>
-          </a:p>
-        </p:txBody>
-      </p:sp>
-      <p:sp>
-        <p:nvSpPr>
-          <p:cNvPr id="16" name="PlaceHolder 2"/>
+            <a:endParaRPr/>
+          </a:p>
+        </p:txBody>
+      </p:sp>
+      <p:sp>
+        <p:nvSpPr>
+          <p:cNvPr id="19" name="PlaceHolder 2"/>
           <p:cNvSpPr>
             <a:spLocks noGrp="1"/>
           </p:cNvSpPr>
@@ -972,8 +963,8 @@
         </p:nvSpPr>
         <p:spPr>
           <a:xfrm>
-            <a:off x="216000" y="1390320"/>
-            <a:ext cx="1899000" cy="3446640"/>
+            <a:off x="216000" y="1389960"/>
+            <a:ext cx="1897200" cy="3444840"/>
           </a:xfrm>
           <a:prstGeom prst="rect">
             <a:avLst/>
@@ -988,7 +979,7 @@
       </p:sp>
       <p:sp>
         <p:nvSpPr>
-          <p:cNvPr id="17" name="PlaceHolder 3"/>
+          <p:cNvPr id="20" name="PlaceHolder 3"/>
           <p:cNvSpPr>
             <a:spLocks noGrp="1"/>
           </p:cNvSpPr>
@@ -998,8 +989,8 @@
         </p:nvSpPr>
         <p:spPr>
           <a:xfrm>
-            <a:off x="2210400" y="1390320"/>
-            <a:ext cx="1899000" cy="1643760"/>
+            <a:off x="2208600" y="1389960"/>
+            <a:ext cx="1897200" cy="1643040"/>
           </a:xfrm>
           <a:prstGeom prst="rect">
             <a:avLst/>
@@ -1014,7 +1005,7 @@
       </p:sp>
       <p:sp>
         <p:nvSpPr>
-          <p:cNvPr id="18" name="PlaceHolder 4"/>
+          <p:cNvPr id="21" name="PlaceHolder 4"/>
           <p:cNvSpPr>
             <a:spLocks noGrp="1"/>
           </p:cNvSpPr>
@@ -1024,8 +1015,8 @@
         </p:nvSpPr>
         <p:spPr>
           <a:xfrm>
-            <a:off x="2210400" y="3190680"/>
-            <a:ext cx="1899000" cy="1643760"/>
+            <a:off x="2208600" y="3189600"/>
+            <a:ext cx="1897200" cy="1643040"/>
           </a:xfrm>
           <a:prstGeom prst="rect">
             <a:avLst/>
@@ -1062,7 +1053,7 @@
       </p:grpSpPr>
       <p:sp>
         <p:nvSpPr>
-          <p:cNvPr id="19" name="PlaceHolder 1"/>
+          <p:cNvPr id="22" name="PlaceHolder 1"/>
           <p:cNvSpPr>
             <a:spLocks noGrp="1"/>
           </p:cNvSpPr>
@@ -1072,8 +1063,8 @@
         </p:nvSpPr>
         <p:spPr>
           <a:xfrm>
-            <a:off x="324000" y="1843920"/>
-            <a:ext cx="3675600" cy="1277640"/>
+            <a:off x="324000" y="1845360"/>
+            <a:ext cx="3672720" cy="1273320"/>
           </a:xfrm>
           <a:prstGeom prst="rect">
             <a:avLst/>
@@ -1082,14 +1073,13 @@
         <p:txBody>
           <a:bodyPr lIns="0" rIns="0" tIns="0" bIns="0" anchor="ctr"/>
           <a:p>
-            <a:pPr algn="ctr"/>
-            <a:endParaRPr/>
-          </a:p>
-        </p:txBody>
-      </p:sp>
-      <p:sp>
-        <p:nvSpPr>
-          <p:cNvPr id="20" name="PlaceHolder 2"/>
+            <a:endParaRPr/>
+          </a:p>
+        </p:txBody>
+      </p:sp>
+      <p:sp>
+        <p:nvSpPr>
+          <p:cNvPr id="23" name="PlaceHolder 2"/>
           <p:cNvSpPr>
             <a:spLocks noGrp="1"/>
           </p:cNvSpPr>
@@ -1099,8 +1089,8 @@
         </p:nvSpPr>
         <p:spPr>
           <a:xfrm>
-            <a:off x="216000" y="1390320"/>
-            <a:ext cx="1899000" cy="1643760"/>
+            <a:off x="216000" y="1389960"/>
+            <a:ext cx="1897200" cy="1643040"/>
           </a:xfrm>
           <a:prstGeom prst="rect">
             <a:avLst/>
@@ -1115,7 +1105,7 @@
       </p:sp>
       <p:sp>
         <p:nvSpPr>
-          <p:cNvPr id="21" name="PlaceHolder 3"/>
+          <p:cNvPr id="24" name="PlaceHolder 3"/>
           <p:cNvSpPr>
             <a:spLocks noGrp="1"/>
           </p:cNvSpPr>
@@ -1125,8 +1115,8 @@
         </p:nvSpPr>
         <p:spPr>
           <a:xfrm>
-            <a:off x="2210400" y="1390320"/>
-            <a:ext cx="1899000" cy="1643760"/>
+            <a:off x="2208600" y="1389960"/>
+            <a:ext cx="1897200" cy="1643040"/>
           </a:xfrm>
           <a:prstGeom prst="rect">
             <a:avLst/>
@@ -1141,7 +1131,7 @@
       </p:sp>
       <p:sp>
         <p:nvSpPr>
-          <p:cNvPr id="22" name="PlaceHolder 4"/>
+          <p:cNvPr id="25" name="PlaceHolder 4"/>
           <p:cNvSpPr>
             <a:spLocks noGrp="1"/>
           </p:cNvSpPr>
@@ -1151,8 +1141,8 @@
         </p:nvSpPr>
         <p:spPr>
           <a:xfrm>
-            <a:off x="216000" y="3190680"/>
-            <a:ext cx="3891960" cy="1643760"/>
+            <a:off x="216000" y="3189600"/>
+            <a:ext cx="3888360" cy="1643040"/>
           </a:xfrm>
           <a:prstGeom prst="rect">
             <a:avLst/>
@@ -1206,21 +1196,29 @@
         </p:nvSpPr>
         <p:spPr>
           <a:xfrm>
-            <a:off x="324000" y="1845720"/>
-            <a:ext cx="3675600" cy="1273680"/>
-          </a:xfrm>
-          <a:prstGeom prst="rect">
-            <a:avLst/>
-          </a:prstGeom>
-        </p:spPr>
-        <p:txBody>
-          <a:bodyPr lIns="0" rIns="0" tIns="0" bIns="0" anchor="ctr"/>
-          <a:p>
-            <a:r>
-              <a:rPr lang="en-US">
-                <a:latin typeface="Arial"/>
-              </a:rPr>
-              <a:t>Click to edit the title text format</a:t>
+            <a:off x="324000" y="1845360"/>
+            <a:ext cx="3672720" cy="1272960"/>
+          </a:xfrm>
+          <a:prstGeom prst="rect">
+            <a:avLst/>
+          </a:prstGeom>
+        </p:spPr>
+        <p:txBody>
+          <a:bodyPr lIns="57960" rIns="57960" tIns="29160" bIns="29160" anchor="ctr"/>
+          <a:p>
+            <a:pPr algn="ctr">
+              <a:lnSpc>
+                <a:spcPct val="100000"/>
+              </a:lnSpc>
+            </a:pPr>
+            <a:r>
+              <a:rPr lang="en-US" sz="2800">
+                <a:solidFill>
+                  <a:srgbClr val="000000"/>
+                </a:solidFill>
+                <a:latin typeface="Calibri"/>
+              </a:rPr>
+              <a:t>Click to edit the title text formatModifiez le style du titre</a:t>
             </a:r>
             <a:endParaRPr/>
           </a:p>
@@ -1233,13 +1231,119 @@
             <a:spLocks noGrp="1"/>
           </p:cNvSpPr>
           <p:nvPr>
+            <p:ph type="dt"/>
+          </p:nvPr>
+        </p:nvSpPr>
+        <p:spPr>
+          <a:xfrm>
+            <a:off x="216000" y="5505840"/>
+            <a:ext cx="1008000" cy="316080"/>
+          </a:xfrm>
+          <a:prstGeom prst="rect">
+            <a:avLst/>
+          </a:prstGeom>
+        </p:spPr>
+        <p:txBody>
+          <a:bodyPr lIns="57960" rIns="57960" tIns="29160" bIns="29160" anchor="ctr"/>
+          <a:p>
+            <a:pPr>
+              <a:lnSpc>
+                <a:spcPct val="100000"/>
+              </a:lnSpc>
+            </a:pPr>
+            <a:r>
+              <a:rPr lang="en-US" sz="800">
+                <a:solidFill>
+                  <a:srgbClr val="8b8b8b"/>
+                </a:solidFill>
+                <a:latin typeface="Calibri"/>
+              </a:rPr>
+              <a:t>3/31/17</a:t>
+            </a:r>
+            <a:endParaRPr/>
+          </a:p>
+        </p:txBody>
+      </p:sp>
+      <p:sp>
+        <p:nvSpPr>
+          <p:cNvPr id="2" name="PlaceHolder 3"/>
+          <p:cNvSpPr>
+            <a:spLocks noGrp="1"/>
+          </p:cNvSpPr>
+          <p:nvPr>
+            <p:ph type="ftr"/>
+          </p:nvPr>
+        </p:nvSpPr>
+        <p:spPr>
+          <a:xfrm>
+            <a:off x="1476360" y="5505840"/>
+            <a:ext cx="1368000" cy="316080"/>
+          </a:xfrm>
+          <a:prstGeom prst="rect">
+            <a:avLst/>
+          </a:prstGeom>
+        </p:spPr>
+        <p:txBody>
+          <a:bodyPr lIns="57960" rIns="57960" tIns="29160" bIns="29160" anchor="ctr"/>
+          <a:p>
+            <a:endParaRPr/>
+          </a:p>
+        </p:txBody>
+      </p:sp>
+      <p:sp>
+        <p:nvSpPr>
+          <p:cNvPr id="3" name="PlaceHolder 4"/>
+          <p:cNvSpPr>
+            <a:spLocks noGrp="1"/>
+          </p:cNvSpPr>
+          <p:nvPr>
+            <p:ph type="sldNum"/>
+          </p:nvPr>
+        </p:nvSpPr>
+        <p:spPr>
+          <a:xfrm>
+            <a:off x="3096720" y="5505840"/>
+            <a:ext cx="1008000" cy="316080"/>
+          </a:xfrm>
+          <a:prstGeom prst="rect">
+            <a:avLst/>
+          </a:prstGeom>
+        </p:spPr>
+        <p:txBody>
+          <a:bodyPr lIns="57960" rIns="57960" tIns="29160" bIns="29160" anchor="ctr"/>
+          <a:p>
+            <a:pPr algn="r">
+              <a:lnSpc>
+                <a:spcPct val="100000"/>
+              </a:lnSpc>
+            </a:pPr>
+            <a:fld id="{268560DF-53E5-45AA-A268-B829660AA8F7}" type="slidenum">
+              <a:rPr lang="en-US" sz="800">
+                <a:solidFill>
+                  <a:srgbClr val="8b8b8b"/>
+                </a:solidFill>
+                <a:latin typeface="Calibri"/>
+              </a:rPr>
+              <a:t>&lt;number&gt;</a:t>
+            </a:fld>
+            <a:endParaRPr/>
+          </a:p>
+        </p:txBody>
+      </p:sp>
+      <p:sp>
+        <p:nvSpPr>
+          <p:cNvPr id="4" name="PlaceHolder 5"/>
+          <p:cNvSpPr>
+            <a:spLocks noGrp="1"/>
+          </p:cNvSpPr>
+          <p:nvPr>
             <p:ph type="body"/>
           </p:nvPr>
         </p:nvSpPr>
         <p:spPr>
           <a:xfrm>
-            <a:off x="216000" y="1390320"/>
-            <a:ext cx="3891960" cy="3446640"/>
+            <a:off x="216000" y="1389960"/>
+            <a:ext cx="3888360" cy="3444840"/>
           </a:xfrm>
           <a:prstGeom prst="rect">
             <a:avLst/>
@@ -1254,8 +1358,8 @@
               <a:buChar char=""/>
             </a:pPr>
             <a:r>
-              <a:rPr lang="en-US" sz="3259">
-                <a:latin typeface="Arial"/>
+              <a:rPr lang="en-US" sz="2000">
+                <a:latin typeface="Calibri"/>
               </a:rPr>
               <a:t>Click to edit the outline text format</a:t>
             </a:r>
@@ -1268,8 +1372,8 @@
               <a:buChar char=""/>
             </a:pPr>
             <a:r>
-              <a:rPr lang="en-US" sz="2850">
-                <a:latin typeface="Arial"/>
+              <a:rPr lang="en-US" sz="1500">
+                <a:latin typeface="Calibri"/>
               </a:rPr>
               <a:t>Second Outline Level</a:t>
             </a:r>
@@ -1282,8 +1386,8 @@
               <a:buChar char=""/>
             </a:pPr>
             <a:r>
-              <a:rPr lang="en-US" sz="2440">
-                <a:latin typeface="Arial"/>
+              <a:rPr lang="en-US" sz="1300">
+                <a:latin typeface="Calibri"/>
               </a:rPr>
               <a:t>Third Outline Level</a:t>
             </a:r>
@@ -1296,8 +1400,8 @@
               <a:buChar char=""/>
             </a:pPr>
             <a:r>
-              <a:rPr lang="en-US" sz="2040">
-                <a:latin typeface="Arial"/>
+              <a:rPr lang="en-US" sz="1300">
+                <a:latin typeface="Calibri"/>
               </a:rPr>
               <a:t>Fourth Outline Level</a:t>
             </a:r>
@@ -1310,8 +1414,8 @@
               <a:buChar char=""/>
             </a:pPr>
             <a:r>
-              <a:rPr lang="en-US" sz="2040">
-                <a:latin typeface="Arial"/>
+              <a:rPr lang="en-US" sz="2000">
+                <a:latin typeface="Calibri"/>
               </a:rPr>
               <a:t>Fifth Outline Level</a:t>
             </a:r>
@@ -1324,8 +1428,8 @@
               <a:buChar char=""/>
             </a:pPr>
             <a:r>
-              <a:rPr lang="en-US" sz="2040">
-                <a:latin typeface="Arial"/>
+              <a:rPr lang="en-US" sz="2000">
+                <a:latin typeface="Calibri"/>
               </a:rPr>
               <a:t>Sixth Outline Level</a:t>
             </a:r>
@@ -1338,8 +1442,8 @@
               <a:buChar char=""/>
             </a:pPr>
             <a:r>
-              <a:rPr lang="en-US" sz="2040">
-                <a:latin typeface="Arial"/>
+              <a:rPr lang="en-US" sz="2000">
+                <a:latin typeface="Calibri"/>
               </a:rPr>
               <a:t>Seventh Outline Level</a:t>
             </a:r>
@@ -1370,13 +1474,6 @@
 <file path=ppt/slides/slide1.xml><?xml version="1.0" encoding="utf-8"?>
 <p:sld xmlns:a="http://schemas.openxmlformats.org/drawingml/2006/main" xmlns:p="http://schemas.openxmlformats.org/presentationml/2006/main" xmlns:r="http://schemas.openxmlformats.org/officeDocument/2006/relationships">
   <p:cSld>
-    <p:bg>
-      <p:bgPr>
-        <a:solidFill>
-          <a:srgbClr val="ffffff"/>
-        </a:solidFill>
-      </p:bgPr>
-    </p:bg>
     <p:spTree>
       <p:nvGrpSpPr>
         <p:cNvPr id="1" name=""/>
@@ -1393,7 +1490,7 @@
       </p:grpSpPr>
       <p:pic>
         <p:nvPicPr>
-          <p:cNvPr id="36" name="Picture 4" descr=""/>
+          <p:cNvPr id="39" name="Picture 4" descr=""/>
           <p:cNvPicPr/>
           <p:nvPr/>
         </p:nvPicPr>
@@ -1405,8 +1502,8 @@
         </p:blipFill>
         <p:spPr>
           <a:xfrm>
-            <a:off x="1823040" y="40680"/>
-            <a:ext cx="2568960" cy="1497600"/>
+            <a:off x="1823040" y="23760"/>
+            <a:ext cx="2569320" cy="1497960"/>
           </a:xfrm>
           <a:prstGeom prst="rect">
             <a:avLst/>
@@ -1418,21 +1515,21 @@
       </p:pic>
       <p:pic>
         <p:nvPicPr>
-          <p:cNvPr id="37" name="Picture 3" descr=""/>
+          <p:cNvPr id="40" name="Picture 3" descr=""/>
           <p:cNvPicPr/>
           <p:nvPr/>
         </p:nvPicPr>
         <p:blipFill>
           <a:blip r:embed="rId2"/>
-          <a:srcRect l="0" t="0" r="10137" b="0"/>
+          <a:srcRect l="0" t="0" r="10151" b="0"/>
           <a:stretch>
             <a:fillRect/>
           </a:stretch>
         </p:blipFill>
         <p:spPr>
           <a:xfrm>
-            <a:off x="-1440" y="34560"/>
-            <a:ext cx="2341800" cy="1517760"/>
+            <a:off x="-1440" y="18000"/>
+            <a:ext cx="2342160" cy="1518120"/>
           </a:xfrm>
           <a:prstGeom prst="rect">
             <a:avLst/>
@@ -1444,21 +1541,21 @@
       </p:pic>
       <p:pic>
         <p:nvPicPr>
-          <p:cNvPr id="38" name="Picture 4" descr=""/>
+          <p:cNvPr id="41" name="Picture 4" descr=""/>
           <p:cNvPicPr/>
           <p:nvPr/>
         </p:nvPicPr>
         <p:blipFill>
           <a:blip r:embed="rId3"/>
-          <a:srcRect l="3966" t="1668" r="7725" b="0"/>
+          <a:srcRect l="3981" t="1675" r="7740" b="0"/>
           <a:stretch>
             <a:fillRect/>
           </a:stretch>
         </p:blipFill>
         <p:spPr>
           <a:xfrm>
-            <a:off x="2011320" y="1197360"/>
-            <a:ext cx="2141280" cy="4656960"/>
+            <a:off x="2011320" y="1180440"/>
+            <a:ext cx="2141640" cy="4657320"/>
           </a:xfrm>
           <a:prstGeom prst="rect">
             <a:avLst/>
@@ -1470,21 +1567,21 @@
       </p:pic>
       <p:pic>
         <p:nvPicPr>
-          <p:cNvPr id="39" name="Picture 7" descr=""/>
+          <p:cNvPr id="42" name="Picture 7" descr=""/>
           <p:cNvPicPr/>
           <p:nvPr/>
         </p:nvPicPr>
         <p:blipFill>
           <a:blip r:embed="rId4"/>
-          <a:srcRect l="0" t="1615" r="7647" b="0"/>
+          <a:srcRect l="0" t="1623" r="7657" b="0"/>
           <a:stretch>
             <a:fillRect/>
           </a:stretch>
         </p:blipFill>
         <p:spPr>
           <a:xfrm>
-            <a:off x="106560" y="1192320"/>
-            <a:ext cx="2259720" cy="4671000"/>
+            <a:off x="106560" y="1175760"/>
+            <a:ext cx="2255400" cy="4661640"/>
           </a:xfrm>
           <a:prstGeom prst="rect">
             <a:avLst/>
@@ -1496,14 +1593,14 @@
       </p:pic>
       <p:sp>
         <p:nvSpPr>
-          <p:cNvPr id="40" name="CustomShape 1"/>
+          <p:cNvPr id="43" name="CustomShape 1"/>
           <p:cNvSpPr/>
           <p:nvPr/>
         </p:nvSpPr>
         <p:spPr>
           <a:xfrm>
-            <a:off x="2754000" y="2772360"/>
-            <a:ext cx="500400" cy="395280"/>
+            <a:off x="2754000" y="2755800"/>
+            <a:ext cx="500760" cy="395640"/>
           </a:xfrm>
           <a:prstGeom prst="ellipse">
             <a:avLst/>
@@ -1519,14 +1616,14 @@
       </p:sp>
       <p:sp>
         <p:nvSpPr>
-          <p:cNvPr id="41" name="CustomShape 2"/>
+          <p:cNvPr id="44" name="CustomShape 2"/>
           <p:cNvSpPr/>
           <p:nvPr/>
         </p:nvSpPr>
         <p:spPr>
           <a:xfrm>
-            <a:off x="1670760" y="3528360"/>
-            <a:ext cx="500400" cy="395280"/>
+            <a:off x="1670760" y="3511440"/>
+            <a:ext cx="500760" cy="395640"/>
           </a:xfrm>
           <a:prstGeom prst="ellipse">
             <a:avLst/>
@@ -1542,14 +1639,14 @@
       </p:sp>
       <p:sp>
         <p:nvSpPr>
-          <p:cNvPr id="42" name="CustomShape 3"/>
+          <p:cNvPr id="45" name="CustomShape 3"/>
           <p:cNvSpPr/>
           <p:nvPr/>
         </p:nvSpPr>
         <p:spPr>
           <a:xfrm>
-            <a:off x="1672560" y="1188360"/>
-            <a:ext cx="538920" cy="303120"/>
+            <a:off x="1672560" y="1171440"/>
+            <a:ext cx="539280" cy="303480"/>
           </a:xfrm>
           <a:prstGeom prst="rect">
             <a:avLst/>
@@ -1574,22 +1671,22 @@
                 </a:solidFill>
                 <a:latin typeface="Times New Roman"/>
               </a:rPr>
-              <a:t>QD3</a:t>
-            </a:r>
-            <a:endParaRPr/>
-          </a:p>
-        </p:txBody>
-      </p:sp>
-      <p:sp>
-        <p:nvSpPr>
-          <p:cNvPr id="43" name="CustomShape 4"/>
+              <a:t>QD4</a:t>
+            </a:r>
+            <a:endParaRPr/>
+          </a:p>
+        </p:txBody>
+      </p:sp>
+      <p:sp>
+        <p:nvSpPr>
+          <p:cNvPr id="46" name="CustomShape 4"/>
           <p:cNvSpPr/>
           <p:nvPr/>
         </p:nvSpPr>
         <p:spPr>
           <a:xfrm>
-            <a:off x="3505320" y="1188360"/>
-            <a:ext cx="538920" cy="303120"/>
+            <a:off x="3505320" y="1171440"/>
+            <a:ext cx="539280" cy="303480"/>
           </a:xfrm>
           <a:prstGeom prst="rect">
             <a:avLst/>
@@ -1614,22 +1711,22 @@
                 </a:solidFill>
                 <a:latin typeface="Times New Roman"/>
               </a:rPr>
-              <a:t>QD3</a:t>
-            </a:r>
-            <a:endParaRPr/>
-          </a:p>
-        </p:txBody>
-      </p:sp>
-      <p:sp>
-        <p:nvSpPr>
-          <p:cNvPr id="44" name="CustomShape 5"/>
+              <a:t>QD4</a:t>
+            </a:r>
+            <a:endParaRPr/>
+          </a:p>
+        </p:txBody>
+      </p:sp>
+      <p:sp>
+        <p:nvSpPr>
+          <p:cNvPr id="47" name="CustomShape 5"/>
           <p:cNvSpPr/>
           <p:nvPr/>
         </p:nvSpPr>
         <p:spPr>
           <a:xfrm>
-            <a:off x="1703880" y="1456560"/>
-            <a:ext cx="630360" cy="303120"/>
+            <a:off x="1703880" y="1440000"/>
+            <a:ext cx="630720" cy="303480"/>
           </a:xfrm>
           <a:prstGeom prst="rect">
             <a:avLst/>
@@ -1680,14 +1777,14 @@
       </p:sp>
       <p:sp>
         <p:nvSpPr>
-          <p:cNvPr id="45" name="CustomShape 6"/>
+          <p:cNvPr id="48" name="CustomShape 6"/>
           <p:cNvSpPr/>
           <p:nvPr/>
         </p:nvSpPr>
         <p:spPr>
           <a:xfrm>
-            <a:off x="3545280" y="1476360"/>
-            <a:ext cx="578520" cy="303120"/>
+            <a:off x="3545280" y="1459440"/>
+            <a:ext cx="578880" cy="303480"/>
           </a:xfrm>
           <a:prstGeom prst="rect">
             <a:avLst/>
@@ -1720,14 +1817,14 @@
       </p:sp>
       <p:sp>
         <p:nvSpPr>
-          <p:cNvPr id="46" name="CustomShape 7"/>
+          <p:cNvPr id="49" name="CustomShape 7"/>
           <p:cNvSpPr/>
           <p:nvPr/>
         </p:nvSpPr>
         <p:spPr>
           <a:xfrm>
-            <a:off x="691200" y="4931280"/>
-            <a:ext cx="381960" cy="257400"/>
+            <a:off x="691200" y="4914360"/>
+            <a:ext cx="382320" cy="257760"/>
           </a:xfrm>
           <a:prstGeom prst="rect">
             <a:avLst/>
@@ -1769,14 +1866,14 @@
       </p:sp>
       <p:sp>
         <p:nvSpPr>
-          <p:cNvPr id="47" name="CustomShape 8"/>
+          <p:cNvPr id="50" name="CustomShape 8"/>
           <p:cNvSpPr/>
           <p:nvPr/>
         </p:nvSpPr>
         <p:spPr>
           <a:xfrm>
-            <a:off x="2484000" y="4932720"/>
-            <a:ext cx="381960" cy="257400"/>
+            <a:off x="2484000" y="4915800"/>
+            <a:ext cx="382320" cy="257760"/>
           </a:xfrm>
           <a:prstGeom prst="rect">
             <a:avLst/>
@@ -1818,14 +1915,14 @@
       </p:sp>
       <p:sp>
         <p:nvSpPr>
-          <p:cNvPr id="48" name="CustomShape 9"/>
+          <p:cNvPr id="51" name="CustomShape 9"/>
           <p:cNvSpPr/>
           <p:nvPr/>
         </p:nvSpPr>
         <p:spPr>
           <a:xfrm>
-            <a:off x="1862280" y="1899360"/>
-            <a:ext cx="315000" cy="257400"/>
+            <a:off x="1862280" y="1882800"/>
+            <a:ext cx="315360" cy="257760"/>
           </a:xfrm>
           <a:prstGeom prst="rect">
             <a:avLst/>
@@ -1867,14 +1964,14 @@
       </p:sp>
       <p:sp>
         <p:nvSpPr>
-          <p:cNvPr id="49" name="CustomShape 10"/>
+          <p:cNvPr id="52" name="CustomShape 10"/>
           <p:cNvSpPr/>
           <p:nvPr/>
         </p:nvSpPr>
         <p:spPr>
           <a:xfrm>
-            <a:off x="3691800" y="1899000"/>
-            <a:ext cx="315000" cy="257400"/>
+            <a:off x="3691800" y="1882440"/>
+            <a:ext cx="315360" cy="257760"/>
           </a:xfrm>
           <a:prstGeom prst="rect">
             <a:avLst/>
@@ -1916,14 +2013,64 @@
       </p:sp>
       <p:sp>
         <p:nvSpPr>
-          <p:cNvPr id="50" name="CustomShape 11"/>
+          <p:cNvPr id="53" name="CustomShape 11"/>
           <p:cNvSpPr/>
           <p:nvPr/>
         </p:nvSpPr>
         <p:spPr>
           <a:xfrm>
-            <a:off x="608760" y="119520"/>
-            <a:ext cx="416880" cy="333360"/>
+            <a:off x="310320" y="4266720"/>
+            <a:ext cx="143640" cy="143640"/>
+          </a:xfrm>
+          <a:prstGeom prst="rect">
+            <a:avLst/>
+          </a:prstGeom>
+          <a:solidFill>
+            <a:srgbClr val="ffffff"/>
+          </a:solidFill>
+          <a:ln w="25560">
+            <a:solidFill>
+              <a:srgbClr val="ffffff"/>
+            </a:solidFill>
+            <a:round/>
+          </a:ln>
+        </p:spPr>
+      </p:sp>
+      <p:sp>
+        <p:nvSpPr>
+          <p:cNvPr id="54" name="CustomShape 12"/>
+          <p:cNvSpPr/>
+          <p:nvPr/>
+        </p:nvSpPr>
+        <p:spPr>
+          <a:xfrm>
+            <a:off x="244800" y="5202720"/>
+            <a:ext cx="143640" cy="143640"/>
+          </a:xfrm>
+          <a:prstGeom prst="rect">
+            <a:avLst/>
+          </a:prstGeom>
+          <a:solidFill>
+            <a:srgbClr val="ffffff"/>
+          </a:solidFill>
+          <a:ln w="25560">
+            <a:solidFill>
+              <a:srgbClr val="ffffff"/>
+            </a:solidFill>
+            <a:round/>
+          </a:ln>
+        </p:spPr>
+      </p:sp>
+      <p:sp>
+        <p:nvSpPr>
+          <p:cNvPr id="55" name="CustomShape 13"/>
+          <p:cNvSpPr/>
+          <p:nvPr/>
+        </p:nvSpPr>
+        <p:spPr>
+          <a:xfrm>
+            <a:off x="608760" y="133200"/>
+            <a:ext cx="417240" cy="333720"/>
           </a:xfrm>
           <a:prstGeom prst="rect">
             <a:avLst/>
@@ -1956,14 +2103,14 @@
       </p:sp>
       <p:sp>
         <p:nvSpPr>
-          <p:cNvPr id="51" name="CustomShape 12"/>
+          <p:cNvPr id="56" name="CustomShape 14"/>
           <p:cNvSpPr/>
           <p:nvPr/>
         </p:nvSpPr>
         <p:spPr>
           <a:xfrm>
-            <a:off x="2377440" y="119520"/>
-            <a:ext cx="427680" cy="333360"/>
+            <a:off x="2375640" y="145080"/>
+            <a:ext cx="428040" cy="333720"/>
           </a:xfrm>
           <a:prstGeom prst="rect">
             <a:avLst/>
